--- a/20011656_우지훈.pptx
+++ b/20011656_우지훈.pptx
@@ -227,7 +227,7 @@
           <a:p>
             <a:fld id="{8CFD61E3-13EE-432D-9B67-BFB7047B11AC}" type="datetimeFigureOut">
               <a:rPr lang="ko-KR" altLang="en-US" smtClean="0"/>
-              <a:t>2022-06-11</a:t>
+              <a:t>2022-06-12</a:t>
             </a:fld>
             <a:endParaRPr lang="ko-KR" altLang="en-US"/>
           </a:p>
@@ -405,7 +405,7 @@
           <a:p>
             <a:fld id="{F5177BC7-B2F0-4CB9-A41D-9DC4C5C7BEAC}" type="datetimeFigureOut">
               <a:rPr lang="ko-KR" altLang="en-US" smtClean="0"/>
-              <a:t>2022-06-11</a:t>
+              <a:t>2022-06-12</a:t>
             </a:fld>
             <a:endParaRPr lang="ko-KR" altLang="en-US"/>
           </a:p>
@@ -820,7 +820,7 @@
           <a:p>
             <a:fld id="{E3E91FDE-3E24-4BF7-B522-B0126770A88E}" type="datetime1">
               <a:rPr lang="ko-KR" altLang="en-US" smtClean="0"/>
-              <a:t>2022-06-11</a:t>
+              <a:t>2022-06-12</a:t>
             </a:fld>
             <a:endParaRPr lang="ko-KR" altLang="en-US"/>
           </a:p>
@@ -1018,7 +1018,7 @@
           <a:p>
             <a:fld id="{C95C8029-C214-43FD-9F27-DBAFC9248A2A}" type="datetime1">
               <a:rPr lang="ko-KR" altLang="en-US" smtClean="0"/>
-              <a:t>2022-06-11</a:t>
+              <a:t>2022-06-12</a:t>
             </a:fld>
             <a:endParaRPr lang="ko-KR" altLang="en-US"/>
           </a:p>
@@ -1226,7 +1226,7 @@
           <a:p>
             <a:fld id="{ADE59A5A-8459-4234-AEB2-4BFB49235FE0}" type="datetime1">
               <a:rPr lang="ko-KR" altLang="en-US" smtClean="0"/>
-              <a:t>2022-06-11</a:t>
+              <a:t>2022-06-12</a:t>
             </a:fld>
             <a:endParaRPr lang="ko-KR" altLang="en-US"/>
           </a:p>
@@ -1424,7 +1424,7 @@
           <a:p>
             <a:fld id="{14116FDF-7847-4C3F-AACC-625B2F72E80E}" type="datetime1">
               <a:rPr lang="ko-KR" altLang="en-US" smtClean="0"/>
-              <a:t>2022-06-11</a:t>
+              <a:t>2022-06-12</a:t>
             </a:fld>
             <a:endParaRPr lang="ko-KR" altLang="en-US"/>
           </a:p>
@@ -1699,7 +1699,7 @@
           <a:p>
             <a:fld id="{C6C5FCEC-021E-4890-87A7-0345F8D1A9C1}" type="datetime1">
               <a:rPr lang="ko-KR" altLang="en-US" smtClean="0"/>
-              <a:t>2022-06-11</a:t>
+              <a:t>2022-06-12</a:t>
             </a:fld>
             <a:endParaRPr lang="ko-KR" altLang="en-US"/>
           </a:p>
@@ -1964,7 +1964,7 @@
           <a:p>
             <a:fld id="{CAA71104-35B2-4986-8E34-B9DA1D618B74}" type="datetime1">
               <a:rPr lang="ko-KR" altLang="en-US" smtClean="0"/>
-              <a:t>2022-06-11</a:t>
+              <a:t>2022-06-12</a:t>
             </a:fld>
             <a:endParaRPr lang="ko-KR" altLang="en-US"/>
           </a:p>
@@ -2376,7 +2376,7 @@
           <a:p>
             <a:fld id="{D81DEF56-6629-433E-8A6A-3B9CAF8468AB}" type="datetime1">
               <a:rPr lang="ko-KR" altLang="en-US" smtClean="0"/>
-              <a:t>2022-06-11</a:t>
+              <a:t>2022-06-12</a:t>
             </a:fld>
             <a:endParaRPr lang="ko-KR" altLang="en-US"/>
           </a:p>
@@ -2517,7 +2517,7 @@
           <a:p>
             <a:fld id="{9A5AA94D-66F3-4C03-A942-585CE90A49A9}" type="datetime1">
               <a:rPr lang="ko-KR" altLang="en-US" smtClean="0"/>
-              <a:t>2022-06-11</a:t>
+              <a:t>2022-06-12</a:t>
             </a:fld>
             <a:endParaRPr lang="ko-KR" altLang="en-US"/>
           </a:p>
@@ -2630,7 +2630,7 @@
           <a:p>
             <a:fld id="{5CC24743-A309-401D-B4F6-92C9FB19FBCE}" type="datetime1">
               <a:rPr lang="ko-KR" altLang="en-US" smtClean="0"/>
-              <a:t>2022-06-11</a:t>
+              <a:t>2022-06-12</a:t>
             </a:fld>
             <a:endParaRPr lang="ko-KR" altLang="en-US"/>
           </a:p>
@@ -2941,7 +2941,7 @@
           <a:p>
             <a:fld id="{0426BE28-204F-4E72-9CE0-9DBB7199EE12}" type="datetime1">
               <a:rPr lang="ko-KR" altLang="en-US" smtClean="0"/>
-              <a:t>2022-06-11</a:t>
+              <a:t>2022-06-12</a:t>
             </a:fld>
             <a:endParaRPr lang="ko-KR" altLang="en-US"/>
           </a:p>
@@ -3229,7 +3229,7 @@
           <a:p>
             <a:fld id="{9649645F-8BB5-4D27-8DF2-F4F73294497D}" type="datetime1">
               <a:rPr lang="ko-KR" altLang="en-US" smtClean="0"/>
-              <a:t>2022-06-11</a:t>
+              <a:t>2022-06-12</a:t>
             </a:fld>
             <a:endParaRPr lang="ko-KR" altLang="en-US"/>
           </a:p>
@@ -3470,7 +3470,7 @@
           <a:p>
             <a:fld id="{D3DB47CC-D860-4F75-BBED-0B06AFBD0ABD}" type="datetime1">
               <a:rPr lang="ko-KR" altLang="en-US" smtClean="0"/>
-              <a:t>2022-06-11</a:t>
+              <a:t>2022-06-12</a:t>
             </a:fld>
             <a:endParaRPr lang="ko-KR" altLang="en-US"/>
           </a:p>
@@ -8679,6 +8679,7 @@
             </a:extLst>
           </p:cNvPr>
           <p:cNvCxnSpPr>
+            <a:cxnSpLocks/>
             <a:stCxn id="30" idx="4"/>
           </p:cNvCxnSpPr>
           <p:nvPr/>
@@ -9269,6 +9270,49 @@
           <a:xfrm flipV="1">
             <a:off x="10955631" y="5382394"/>
             <a:ext cx="0" cy="272681"/>
+          </a:xfrm>
+          <a:prstGeom prst="line">
+            <a:avLst/>
+          </a:prstGeom>
+          <a:ln w="28575">
+            <a:solidFill>
+              <a:schemeClr val="tx1"/>
+            </a:solidFill>
+          </a:ln>
+        </p:spPr>
+        <p:style>
+          <a:lnRef idx="1">
+            <a:schemeClr val="accent1"/>
+          </a:lnRef>
+          <a:fillRef idx="0">
+            <a:schemeClr val="accent1"/>
+          </a:fillRef>
+          <a:effectRef idx="0">
+            <a:schemeClr val="accent1"/>
+          </a:effectRef>
+          <a:fontRef idx="minor">
+            <a:schemeClr val="tx1"/>
+          </a:fontRef>
+        </p:style>
+      </p:cxnSp>
+      <p:cxnSp>
+        <p:nvCxnSpPr>
+          <p:cNvPr id="44" name="직선 연결선 43">
+            <a:extLst>
+              <a:ext uri="{FF2B5EF4-FFF2-40B4-BE49-F238E27FC236}">
+                <a16:creationId xmlns:a16="http://schemas.microsoft.com/office/drawing/2014/main" id="{6FF0EB20-1D82-292D-5187-6FFBD484F60E}"/>
+              </a:ext>
+            </a:extLst>
+          </p:cNvPr>
+          <p:cNvCxnSpPr>
+            <a:cxnSpLocks/>
+          </p:cNvCxnSpPr>
+          <p:nvPr/>
+        </p:nvCxnSpPr>
+        <p:spPr>
+          <a:xfrm>
+            <a:off x="5042517" y="2290304"/>
+            <a:ext cx="0" cy="3364771"/>
           </a:xfrm>
           <a:prstGeom prst="line">
             <a:avLst/>

--- a/20011656_우지훈.pptx
+++ b/20011656_우지훈.pptx
@@ -5,10 +5,10 @@
     <p:sldMasterId id="2147483648" r:id="rId1"/>
   </p:sldMasterIdLst>
   <p:notesMasterIdLst>
-    <p:notesMasterId r:id="rId18"/>
+    <p:notesMasterId r:id="rId25"/>
   </p:notesMasterIdLst>
   <p:handoutMasterIdLst>
-    <p:handoutMasterId r:id="rId19"/>
+    <p:handoutMasterId r:id="rId26"/>
   </p:handoutMasterIdLst>
   <p:sldIdLst>
     <p:sldId id="256" r:id="rId2"/>
@@ -24,9 +24,16 @@
     <p:sldId id="315" r:id="rId12"/>
     <p:sldId id="316" r:id="rId13"/>
     <p:sldId id="318" r:id="rId14"/>
-    <p:sldId id="260" r:id="rId15"/>
-    <p:sldId id="262" r:id="rId16"/>
-    <p:sldId id="264" r:id="rId17"/>
+    <p:sldId id="320" r:id="rId15"/>
+    <p:sldId id="321" r:id="rId16"/>
+    <p:sldId id="322" r:id="rId17"/>
+    <p:sldId id="323" r:id="rId18"/>
+    <p:sldId id="324" r:id="rId19"/>
+    <p:sldId id="325" r:id="rId20"/>
+    <p:sldId id="326" r:id="rId21"/>
+    <p:sldId id="260" r:id="rId22"/>
+    <p:sldId id="262" r:id="rId23"/>
+    <p:sldId id="264" r:id="rId24"/>
   </p:sldIdLst>
   <p:sldSz cx="12192000" cy="6858000"/>
   <p:notesSz cx="6858000" cy="9144000"/>
@@ -6527,10 +6534,45 @@
       </p:cxnSp>
       <p:sp>
         <p:nvSpPr>
-          <p:cNvPr id="2" name="슬라이드 번호 개체 틀 1">
-            <a:extLst>
-              <a:ext uri="{FF2B5EF4-FFF2-40B4-BE49-F238E27FC236}">
-                <a16:creationId xmlns:a16="http://schemas.microsoft.com/office/drawing/2014/main" id="{90C01407-AC58-A30B-52CC-BB2BD90BAC0C}"/>
+          <p:cNvPr id="2" name="TextBox 1">
+            <a:extLst>
+              <a:ext uri="{FF2B5EF4-FFF2-40B4-BE49-F238E27FC236}">
+                <a16:creationId xmlns:a16="http://schemas.microsoft.com/office/drawing/2014/main" id="{D1A6210A-3C97-CCB1-F5A2-F3C4842FACFF}"/>
+              </a:ext>
+            </a:extLst>
+          </p:cNvPr>
+          <p:cNvSpPr txBox="1"/>
+          <p:nvPr/>
+        </p:nvSpPr>
+        <p:spPr>
+          <a:xfrm>
+            <a:off x="570015" y="302224"/>
+            <a:ext cx="4257304" cy="369332"/>
+          </a:xfrm>
+          <a:prstGeom prst="rect">
+            <a:avLst/>
+          </a:prstGeom>
+          <a:noFill/>
+        </p:spPr>
+        <p:txBody>
+          <a:bodyPr wrap="square" rtlCol="0">
+            <a:spAutoFit/>
+          </a:bodyPr>
+          <a:lstStyle/>
+          <a:p>
+            <a:r>
+              <a:rPr lang="en-US" altLang="ko-KR" dirty="0"/>
+              <a:t>Main.py</a:t>
+            </a:r>
+          </a:p>
+        </p:txBody>
+      </p:sp>
+      <p:sp>
+        <p:nvSpPr>
+          <p:cNvPr id="4" name="슬라이드 번호 개체 틀 3">
+            <a:extLst>
+              <a:ext uri="{FF2B5EF4-FFF2-40B4-BE49-F238E27FC236}">
+                <a16:creationId xmlns:a16="http://schemas.microsoft.com/office/drawing/2014/main" id="{D0550F37-327D-2E23-4CA6-CEA828182E0F}"/>
               </a:ext>
             </a:extLst>
           </p:cNvPr>
@@ -6554,277 +6596,70 @@
           </a:p>
         </p:txBody>
       </p:sp>
-      <p:sp>
-        <p:nvSpPr>
-          <p:cNvPr id="4" name="TextBox 3">
-            <a:extLst>
-              <a:ext uri="{FF2B5EF4-FFF2-40B4-BE49-F238E27FC236}">
-                <a16:creationId xmlns:a16="http://schemas.microsoft.com/office/drawing/2014/main" id="{89D421C5-4F06-7974-1B94-65FEBFAF1241}"/>
-              </a:ext>
-            </a:extLst>
-          </p:cNvPr>
-          <p:cNvSpPr txBox="1"/>
+      <p:pic>
+        <p:nvPicPr>
+          <p:cNvPr id="7" name="그림 6">
+            <a:extLst>
+              <a:ext uri="{FF2B5EF4-FFF2-40B4-BE49-F238E27FC236}">
+                <a16:creationId xmlns:a16="http://schemas.microsoft.com/office/drawing/2014/main" id="{7D1DDECA-E62E-71F5-481F-E9EC86299F8F}"/>
+              </a:ext>
+            </a:extLst>
+          </p:cNvPr>
+          <p:cNvPicPr>
+            <a:picLocks noChangeAspect="1"/>
+          </p:cNvPicPr>
           <p:nvPr/>
-        </p:nvSpPr>
+        </p:nvPicPr>
+        <p:blipFill>
+          <a:blip r:embed="rId3"/>
+          <a:stretch>
+            <a:fillRect/>
+          </a:stretch>
+        </p:blipFill>
         <p:spPr>
           <a:xfrm>
-            <a:off x="593766" y="278473"/>
-            <a:ext cx="6044540" cy="369332"/>
+            <a:off x="570015" y="1124423"/>
+            <a:ext cx="5696745" cy="3153215"/>
           </a:xfrm>
           <a:prstGeom prst="rect">
             <a:avLst/>
           </a:prstGeom>
-          <a:noFill/>
         </p:spPr>
-        <p:txBody>
-          <a:bodyPr wrap="square" rtlCol="0">
-            <a:spAutoFit/>
-          </a:bodyPr>
-          <a:lstStyle/>
-          <a:p>
-            <a:r>
-              <a:rPr lang="ko-KR" altLang="en-US" dirty="0"/>
-              <a:t>종목 추출 기능 </a:t>
-            </a:r>
-            <a:r>
-              <a:rPr lang="en-US" altLang="ko-KR" dirty="0"/>
-              <a:t>- </a:t>
-            </a:r>
-            <a:r>
-              <a:rPr lang="ko-KR" altLang="en-US" dirty="0" err="1"/>
-              <a:t>가치주</a:t>
-            </a:r>
-            <a:endParaRPr lang="ko-KR" altLang="en-US" dirty="0"/>
-          </a:p>
-        </p:txBody>
-      </p:sp>
-      <p:sp>
-        <p:nvSpPr>
-          <p:cNvPr id="5" name="TextBox 4">
-            <a:extLst>
-              <a:ext uri="{FF2B5EF4-FFF2-40B4-BE49-F238E27FC236}">
-                <a16:creationId xmlns:a16="http://schemas.microsoft.com/office/drawing/2014/main" id="{F5D83755-D5FD-4B71-D423-C6949A45DB8D}"/>
-              </a:ext>
-            </a:extLst>
-          </p:cNvPr>
-          <p:cNvSpPr txBox="1"/>
+      </p:pic>
+      <p:pic>
+        <p:nvPicPr>
+          <p:cNvPr id="11" name="그림 10">
+            <a:extLst>
+              <a:ext uri="{FF2B5EF4-FFF2-40B4-BE49-F238E27FC236}">
+                <a16:creationId xmlns:a16="http://schemas.microsoft.com/office/drawing/2014/main" id="{4A1F7ADD-197A-4C50-E191-63D2E0123477}"/>
+              </a:ext>
+            </a:extLst>
+          </p:cNvPr>
+          <p:cNvPicPr>
+            <a:picLocks noChangeAspect="1"/>
+          </p:cNvPicPr>
           <p:nvPr/>
-        </p:nvSpPr>
+        </p:nvPicPr>
+        <p:blipFill>
+          <a:blip r:embed="rId4"/>
+          <a:stretch>
+            <a:fillRect/>
+          </a:stretch>
+        </p:blipFill>
         <p:spPr>
           <a:xfrm>
-            <a:off x="730333" y="1001038"/>
-            <a:ext cx="8651174" cy="5355312"/>
+            <a:off x="5260689" y="3622698"/>
+            <a:ext cx="5630061" cy="2524477"/>
           </a:xfrm>
           <a:prstGeom prst="rect">
             <a:avLst/>
           </a:prstGeom>
-          <a:noFill/>
         </p:spPr>
-        <p:txBody>
-          <a:bodyPr wrap="square" rtlCol="0">
-            <a:spAutoFit/>
-          </a:bodyPr>
-          <a:lstStyle/>
-          <a:p>
-            <a:pPr marL="342900" indent="-342900">
-              <a:buAutoNum type="arabicPeriod"/>
-            </a:pPr>
-            <a:r>
-              <a:rPr lang="ko-KR" altLang="en-US" dirty="0"/>
-              <a:t>이익 대비 저평가 종목 </a:t>
-            </a:r>
-            <a:r>
-              <a:rPr lang="en-US" altLang="ko-KR" dirty="0"/>
-              <a:t>: PER</a:t>
-            </a:r>
-          </a:p>
-          <a:p>
-            <a:pPr marL="342900" indent="-342900">
-              <a:buAutoNum type="arabicPeriod"/>
-            </a:pPr>
-            <a:endParaRPr lang="en-US" altLang="ko-KR" dirty="0"/>
-          </a:p>
-          <a:p>
-            <a:pPr marL="342900" indent="-342900">
-              <a:buAutoNum type="arabicPeriod"/>
-            </a:pPr>
-            <a:r>
-              <a:rPr lang="ko-KR" altLang="en-US" dirty="0"/>
-              <a:t>장부 가치 대비 저평가 종목 </a:t>
-            </a:r>
-            <a:r>
-              <a:rPr lang="en-US" altLang="ko-KR" dirty="0"/>
-              <a:t>: PBR</a:t>
-            </a:r>
-          </a:p>
-          <a:p>
-            <a:pPr marL="342900" indent="-342900">
-              <a:buAutoNum type="arabicPeriod"/>
-            </a:pPr>
-            <a:endParaRPr lang="en-US" altLang="ko-KR" dirty="0"/>
-          </a:p>
-          <a:p>
-            <a:pPr marL="342900" indent="-342900">
-              <a:buFontTx/>
-              <a:buAutoNum type="arabicPeriod"/>
-            </a:pPr>
-            <a:r>
-              <a:rPr lang="ko-KR" altLang="en-US" dirty="0"/>
-              <a:t>이익대비 저평가 종목</a:t>
-            </a:r>
-            <a:r>
-              <a:rPr lang="en-US" altLang="ko-KR" dirty="0"/>
-              <a:t>: PER</a:t>
-            </a:r>
-          </a:p>
-          <a:p>
-            <a:pPr marL="342900" indent="-342900">
-              <a:buAutoNum type="arabicPeriod"/>
-            </a:pPr>
-            <a:endParaRPr lang="en-US" altLang="ko-KR" dirty="0"/>
-          </a:p>
-          <a:p>
-            <a:pPr marL="342900" indent="-342900">
-              <a:buFontTx/>
-              <a:buAutoNum type="arabicPeriod"/>
-            </a:pPr>
-            <a:r>
-              <a:rPr lang="ko-KR" altLang="en-US" dirty="0"/>
-              <a:t>장부가치대비 저평가 종목</a:t>
-            </a:r>
-            <a:r>
-              <a:rPr lang="en-US" altLang="ko-KR" dirty="0"/>
-              <a:t>: PBR</a:t>
-            </a:r>
-          </a:p>
-          <a:p>
-            <a:pPr marL="342900" indent="-342900">
-              <a:buAutoNum type="arabicPeriod"/>
-            </a:pPr>
-            <a:endParaRPr lang="en-US" altLang="ko-KR" dirty="0"/>
-          </a:p>
-          <a:p>
-            <a:pPr marL="342900" indent="-342900">
-              <a:buFontTx/>
-              <a:buAutoNum type="arabicPeriod"/>
-            </a:pPr>
-            <a:r>
-              <a:rPr lang="ko-KR" altLang="en-US" dirty="0"/>
-              <a:t>매출대비 저평가 종목</a:t>
-            </a:r>
-            <a:r>
-              <a:rPr lang="en-US" altLang="ko-KR" dirty="0"/>
-              <a:t>: PSR</a:t>
-            </a:r>
-          </a:p>
-          <a:p>
-            <a:pPr marL="342900" indent="-342900">
-              <a:buAutoNum type="arabicPeriod"/>
-            </a:pPr>
-            <a:endParaRPr lang="en-US" altLang="ko-KR" dirty="0"/>
-          </a:p>
-          <a:p>
-            <a:pPr marL="342900" indent="-342900">
-              <a:buFontTx/>
-              <a:buAutoNum type="arabicPeriod"/>
-            </a:pPr>
-            <a:r>
-              <a:rPr lang="ko-KR" altLang="en-US" dirty="0"/>
-              <a:t>현금흐름대비 저평가 종목</a:t>
-            </a:r>
-            <a:r>
-              <a:rPr lang="en-US" altLang="ko-KR" dirty="0"/>
-              <a:t>: PCR</a:t>
-            </a:r>
-          </a:p>
-          <a:p>
-            <a:pPr marL="342900" indent="-342900">
-              <a:buAutoNum type="arabicPeriod"/>
-            </a:pPr>
-            <a:endParaRPr lang="en-US" altLang="ko-KR" dirty="0"/>
-          </a:p>
-          <a:p>
-            <a:pPr marL="342900" indent="-342900">
-              <a:buFontTx/>
-              <a:buAutoNum type="arabicPeriod"/>
-            </a:pPr>
-            <a:r>
-              <a:rPr lang="ko-KR" altLang="en-US" dirty="0"/>
-              <a:t>가치지표 결합하기</a:t>
-            </a:r>
-            <a:endParaRPr lang="en-US" altLang="ko-KR" dirty="0"/>
-          </a:p>
-          <a:p>
-            <a:pPr marL="342900" indent="-342900">
-              <a:buAutoNum type="arabicPeriod"/>
-            </a:pPr>
-            <a:endParaRPr lang="en-US" altLang="ko-KR" dirty="0"/>
-          </a:p>
-          <a:p>
-            <a:pPr marL="342900" indent="-342900">
-              <a:buFontTx/>
-              <a:buAutoNum type="arabicPeriod"/>
-            </a:pPr>
-            <a:r>
-              <a:rPr lang="ko-KR" altLang="en-US" dirty="0"/>
-              <a:t>가치투자 </a:t>
-            </a:r>
-            <a:r>
-              <a:rPr lang="en-US" altLang="ko-KR" dirty="0"/>
-              <a:t>4</a:t>
-            </a:r>
-            <a:r>
-              <a:rPr lang="ko-KR" altLang="en-US" dirty="0"/>
-              <a:t>대장 콤보</a:t>
-            </a:r>
-            <a:endParaRPr lang="en-US" altLang="ko-KR" dirty="0"/>
-          </a:p>
-          <a:p>
-            <a:pPr marL="342900" indent="-342900">
-              <a:buAutoNum type="arabicPeriod"/>
-            </a:pPr>
-            <a:endParaRPr lang="en-US" altLang="ko-KR" dirty="0"/>
-          </a:p>
-          <a:p>
-            <a:pPr marL="342900" indent="-342900">
-              <a:buFontTx/>
-              <a:buAutoNum type="arabicPeriod"/>
-            </a:pPr>
-            <a:r>
-              <a:rPr lang="ko-KR" altLang="en-US" dirty="0"/>
-              <a:t>실적대비 기업가치</a:t>
-            </a:r>
-            <a:r>
-              <a:rPr lang="en-US" altLang="ko-KR" dirty="0"/>
-              <a:t>: EV/EBITDA &amp; EV Sales</a:t>
-            </a:r>
-          </a:p>
-          <a:p>
-            <a:pPr marL="342900" indent="-342900">
-              <a:buAutoNum type="arabicPeriod"/>
-            </a:pPr>
-            <a:endParaRPr lang="en-US" altLang="ko-KR" dirty="0"/>
-          </a:p>
-          <a:p>
-            <a:pPr marL="342900" indent="-342900">
-              <a:buFontTx/>
-              <a:buAutoNum type="arabicPeriod"/>
-            </a:pPr>
-            <a:r>
-              <a:rPr lang="en-US" altLang="ko-KR" dirty="0"/>
-              <a:t>PEG </a:t>
-            </a:r>
-            <a:r>
-              <a:rPr lang="ko-KR" altLang="en-US" dirty="0"/>
-              <a:t>기반 종목 추출</a:t>
-            </a:r>
-          </a:p>
-        </p:txBody>
-      </p:sp>
+      </p:pic>
     </p:spTree>
     <p:extLst>
       <p:ext uri="{BB962C8B-B14F-4D97-AF65-F5344CB8AC3E}">
-        <p14:creationId xmlns:p14="http://schemas.microsoft.com/office/powerpoint/2010/main" val="1414763056"/>
+        <p14:creationId xmlns:p14="http://schemas.microsoft.com/office/powerpoint/2010/main" val="880323914"/>
       </p:ext>
     </p:extLst>
   </p:cSld>
@@ -6897,10 +6732,45 @@
       </p:cxnSp>
       <p:sp>
         <p:nvSpPr>
-          <p:cNvPr id="2" name="슬라이드 번호 개체 틀 1">
-            <a:extLst>
-              <a:ext uri="{FF2B5EF4-FFF2-40B4-BE49-F238E27FC236}">
-                <a16:creationId xmlns:a16="http://schemas.microsoft.com/office/drawing/2014/main" id="{BA76ADDD-D563-3C79-7126-85C134A28267}"/>
+          <p:cNvPr id="2" name="TextBox 1">
+            <a:extLst>
+              <a:ext uri="{FF2B5EF4-FFF2-40B4-BE49-F238E27FC236}">
+                <a16:creationId xmlns:a16="http://schemas.microsoft.com/office/drawing/2014/main" id="{D1A6210A-3C97-CCB1-F5A2-F3C4842FACFF}"/>
+              </a:ext>
+            </a:extLst>
+          </p:cNvPr>
+          <p:cNvSpPr txBox="1"/>
+          <p:nvPr/>
+        </p:nvSpPr>
+        <p:spPr>
+          <a:xfrm>
+            <a:off x="570015" y="302224"/>
+            <a:ext cx="4257304" cy="369332"/>
+          </a:xfrm>
+          <a:prstGeom prst="rect">
+            <a:avLst/>
+          </a:prstGeom>
+          <a:noFill/>
+        </p:spPr>
+        <p:txBody>
+          <a:bodyPr wrap="square" rtlCol="0">
+            <a:spAutoFit/>
+          </a:bodyPr>
+          <a:lstStyle/>
+          <a:p>
+            <a:r>
+              <a:rPr lang="en-US" altLang="ko-KR" dirty="0"/>
+              <a:t>Main.py</a:t>
+            </a:r>
+          </a:p>
+        </p:txBody>
+      </p:sp>
+      <p:sp>
+        <p:nvSpPr>
+          <p:cNvPr id="4" name="슬라이드 번호 개체 틀 3">
+            <a:extLst>
+              <a:ext uri="{FF2B5EF4-FFF2-40B4-BE49-F238E27FC236}">
+                <a16:creationId xmlns:a16="http://schemas.microsoft.com/office/drawing/2014/main" id="{D0550F37-327D-2E23-4CA6-CEA828182E0F}"/>
               </a:ext>
             </a:extLst>
           </p:cNvPr>
@@ -6926,10 +6796,10 @@
       </p:sp>
       <p:pic>
         <p:nvPicPr>
-          <p:cNvPr id="5" name="그림 4">
-            <a:extLst>
-              <a:ext uri="{FF2B5EF4-FFF2-40B4-BE49-F238E27FC236}">
-                <a16:creationId xmlns:a16="http://schemas.microsoft.com/office/drawing/2014/main" id="{9EFE88E0-FE09-A4E8-2C75-385179091D44}"/>
+          <p:cNvPr id="6" name="그림 5">
+            <a:extLst>
+              <a:ext uri="{FF2B5EF4-FFF2-40B4-BE49-F238E27FC236}">
+                <a16:creationId xmlns:a16="http://schemas.microsoft.com/office/drawing/2014/main" id="{641583CD-A921-D6ED-EB48-7B0F5BD7B10D}"/>
               </a:ext>
             </a:extLst>
           </p:cNvPr>
@@ -6946,8 +6816,8 @@
         </p:blipFill>
         <p:spPr>
           <a:xfrm>
-            <a:off x="343761" y="1190718"/>
-            <a:ext cx="10701234" cy="1587991"/>
+            <a:off x="5334177" y="3739734"/>
+            <a:ext cx="5353797" cy="2981741"/>
           </a:xfrm>
           <a:prstGeom prst="rect">
             <a:avLst/>
@@ -6956,10 +6826,10 @@
       </p:pic>
       <p:pic>
         <p:nvPicPr>
-          <p:cNvPr id="7" name="그림 6">
-            <a:extLst>
-              <a:ext uri="{FF2B5EF4-FFF2-40B4-BE49-F238E27FC236}">
-                <a16:creationId xmlns:a16="http://schemas.microsoft.com/office/drawing/2014/main" id="{2C43DB5B-CC03-2A0F-354B-FCB923595090}"/>
+          <p:cNvPr id="11" name="그림 10">
+            <a:extLst>
+              <a:ext uri="{FF2B5EF4-FFF2-40B4-BE49-F238E27FC236}">
+                <a16:creationId xmlns:a16="http://schemas.microsoft.com/office/drawing/2014/main" id="{BCC72A7A-E044-7069-E1DE-E944FAB556E6}"/>
               </a:ext>
             </a:extLst>
           </p:cNvPr>
@@ -6976,38 +6846,8 @@
         </p:blipFill>
         <p:spPr>
           <a:xfrm>
-            <a:off x="343760" y="3136037"/>
-            <a:ext cx="10701233" cy="1472554"/>
-          </a:xfrm>
-          <a:prstGeom prst="rect">
-            <a:avLst/>
-          </a:prstGeom>
-        </p:spPr>
-      </p:pic>
-      <p:pic>
-        <p:nvPicPr>
-          <p:cNvPr id="9" name="그림 8">
-            <a:extLst>
-              <a:ext uri="{FF2B5EF4-FFF2-40B4-BE49-F238E27FC236}">
-                <a16:creationId xmlns:a16="http://schemas.microsoft.com/office/drawing/2014/main" id="{10B7BCD9-6A3F-6757-C5FE-A9691EDC8D79}"/>
-              </a:ext>
-            </a:extLst>
-          </p:cNvPr>
-          <p:cNvPicPr>
-            <a:picLocks noChangeAspect="1"/>
-          </p:cNvPicPr>
-          <p:nvPr/>
-        </p:nvPicPr>
-        <p:blipFill>
-          <a:blip r:embed="rId5"/>
-          <a:stretch>
-            <a:fillRect/>
-          </a:stretch>
-        </p:blipFill>
-        <p:spPr>
-          <a:xfrm>
-            <a:off x="343760" y="4864982"/>
-            <a:ext cx="10745343" cy="1380968"/>
+            <a:off x="570015" y="1151470"/>
+            <a:ext cx="8002731" cy="2491759"/>
           </a:xfrm>
           <a:prstGeom prst="rect">
             <a:avLst/>
@@ -7017,7 +6857,7 @@
     </p:spTree>
     <p:extLst>
       <p:ext uri="{BB962C8B-B14F-4D97-AF65-F5344CB8AC3E}">
-        <p14:creationId xmlns:p14="http://schemas.microsoft.com/office/powerpoint/2010/main" val="2717437398"/>
+        <p14:creationId xmlns:p14="http://schemas.microsoft.com/office/powerpoint/2010/main" val="3666179736"/>
       </p:ext>
     </p:extLst>
   </p:cSld>
@@ -7090,10 +6930,45 @@
       </p:cxnSp>
       <p:sp>
         <p:nvSpPr>
-          <p:cNvPr id="2" name="슬라이드 번호 개체 틀 1">
-            <a:extLst>
-              <a:ext uri="{FF2B5EF4-FFF2-40B4-BE49-F238E27FC236}">
-                <a16:creationId xmlns:a16="http://schemas.microsoft.com/office/drawing/2014/main" id="{F92EA33D-0361-E925-0675-8BE0656B12C5}"/>
+          <p:cNvPr id="2" name="TextBox 1">
+            <a:extLst>
+              <a:ext uri="{FF2B5EF4-FFF2-40B4-BE49-F238E27FC236}">
+                <a16:creationId xmlns:a16="http://schemas.microsoft.com/office/drawing/2014/main" id="{D1A6210A-3C97-CCB1-F5A2-F3C4842FACFF}"/>
+              </a:ext>
+            </a:extLst>
+          </p:cNvPr>
+          <p:cNvSpPr txBox="1"/>
+          <p:nvPr/>
+        </p:nvSpPr>
+        <p:spPr>
+          <a:xfrm>
+            <a:off x="570015" y="302224"/>
+            <a:ext cx="4257304" cy="369332"/>
+          </a:xfrm>
+          <a:prstGeom prst="rect">
+            <a:avLst/>
+          </a:prstGeom>
+          <a:noFill/>
+        </p:spPr>
+        <p:txBody>
+          <a:bodyPr wrap="square" rtlCol="0">
+            <a:spAutoFit/>
+          </a:bodyPr>
+          <a:lstStyle/>
+          <a:p>
+            <a:r>
+              <a:rPr lang="en-US" altLang="ko-KR" dirty="0"/>
+              <a:t>Main.py</a:t>
+            </a:r>
+          </a:p>
+        </p:txBody>
+      </p:sp>
+      <p:sp>
+        <p:nvSpPr>
+          <p:cNvPr id="4" name="슬라이드 번호 개체 틀 3">
+            <a:extLst>
+              <a:ext uri="{FF2B5EF4-FFF2-40B4-BE49-F238E27FC236}">
+                <a16:creationId xmlns:a16="http://schemas.microsoft.com/office/drawing/2014/main" id="{D0550F37-327D-2E23-4CA6-CEA828182E0F}"/>
               </a:ext>
             </a:extLst>
           </p:cNvPr>
@@ -7119,10 +6994,10 @@
       </p:sp>
       <p:pic>
         <p:nvPicPr>
-          <p:cNvPr id="5" name="그림 4">
-            <a:extLst>
-              <a:ext uri="{FF2B5EF4-FFF2-40B4-BE49-F238E27FC236}">
-                <a16:creationId xmlns:a16="http://schemas.microsoft.com/office/drawing/2014/main" id="{E73AE443-D14F-9AC4-031B-DE6E287F5F3F}"/>
+          <p:cNvPr id="9" name="그림 8">
+            <a:extLst>
+              <a:ext uri="{FF2B5EF4-FFF2-40B4-BE49-F238E27FC236}">
+                <a16:creationId xmlns:a16="http://schemas.microsoft.com/office/drawing/2014/main" id="{7D8EEF2E-CA4A-0456-6DA9-D6B64A00B2C1}"/>
               </a:ext>
             </a:extLst>
           </p:cNvPr>
@@ -7139,8 +7014,8 @@
         </p:blipFill>
         <p:spPr>
           <a:xfrm>
-            <a:off x="512618" y="216371"/>
-            <a:ext cx="10379424" cy="1448002"/>
+            <a:off x="380010" y="943493"/>
+            <a:ext cx="6401693" cy="3010320"/>
           </a:xfrm>
           <a:prstGeom prst="rect">
             <a:avLst/>
@@ -7152,7 +7027,7 @@
           <p:cNvPr id="7" name="그림 6">
             <a:extLst>
               <a:ext uri="{FF2B5EF4-FFF2-40B4-BE49-F238E27FC236}">
-                <a16:creationId xmlns:a16="http://schemas.microsoft.com/office/drawing/2014/main" id="{FFFD5154-069A-AF88-FA76-6A5F04F8BBB0}"/>
+                <a16:creationId xmlns:a16="http://schemas.microsoft.com/office/drawing/2014/main" id="{BBF8B9A3-6886-79A3-19A9-7368ED0D6512}"/>
               </a:ext>
             </a:extLst>
           </p:cNvPr>
@@ -7169,68 +7044,8 @@
         </p:blipFill>
         <p:spPr>
           <a:xfrm>
-            <a:off x="536922" y="1841738"/>
-            <a:ext cx="10355120" cy="1467055"/>
-          </a:xfrm>
-          <a:prstGeom prst="rect">
-            <a:avLst/>
-          </a:prstGeom>
-        </p:spPr>
-      </p:pic>
-      <p:pic>
-        <p:nvPicPr>
-          <p:cNvPr id="9" name="그림 8">
-            <a:extLst>
-              <a:ext uri="{FF2B5EF4-FFF2-40B4-BE49-F238E27FC236}">
-                <a16:creationId xmlns:a16="http://schemas.microsoft.com/office/drawing/2014/main" id="{E531B658-3A42-2112-23A5-7F10B1F5840D}"/>
-              </a:ext>
-            </a:extLst>
-          </p:cNvPr>
-          <p:cNvPicPr>
-            <a:picLocks noChangeAspect="1"/>
-          </p:cNvPicPr>
-          <p:nvPr/>
-        </p:nvPicPr>
-        <p:blipFill>
-          <a:blip r:embed="rId5"/>
-          <a:stretch>
-            <a:fillRect/>
-          </a:stretch>
-        </p:blipFill>
-        <p:spPr>
-          <a:xfrm>
-            <a:off x="536922" y="3429000"/>
-            <a:ext cx="10336067" cy="1562318"/>
-          </a:xfrm>
-          <a:prstGeom prst="rect">
-            <a:avLst/>
-          </a:prstGeom>
-        </p:spPr>
-      </p:pic>
-      <p:pic>
-        <p:nvPicPr>
-          <p:cNvPr id="11" name="그림 10">
-            <a:extLst>
-              <a:ext uri="{FF2B5EF4-FFF2-40B4-BE49-F238E27FC236}">
-                <a16:creationId xmlns:a16="http://schemas.microsoft.com/office/drawing/2014/main" id="{E2E65CFE-0696-A2CE-08C7-ED54F5FF78CF}"/>
-              </a:ext>
-            </a:extLst>
-          </p:cNvPr>
-          <p:cNvPicPr>
-            <a:picLocks noChangeAspect="1"/>
-          </p:cNvPicPr>
-          <p:nvPr/>
-        </p:nvPicPr>
-        <p:blipFill>
-          <a:blip r:embed="rId6"/>
-          <a:stretch>
-            <a:fillRect/>
-          </a:stretch>
-        </p:blipFill>
-        <p:spPr>
-          <a:xfrm>
-            <a:off x="536922" y="5111525"/>
-            <a:ext cx="10336067" cy="1609950"/>
+            <a:off x="5152901" y="3585155"/>
+            <a:ext cx="6526481" cy="2240551"/>
           </a:xfrm>
           <a:prstGeom prst="rect">
             <a:avLst/>
@@ -7240,7 +7055,511 @@
     </p:spTree>
     <p:extLst>
       <p:ext uri="{BB962C8B-B14F-4D97-AF65-F5344CB8AC3E}">
-        <p14:creationId xmlns:p14="http://schemas.microsoft.com/office/powerpoint/2010/main" val="1939060533"/>
+        <p14:creationId xmlns:p14="http://schemas.microsoft.com/office/powerpoint/2010/main" val="1777033963"/>
+      </p:ext>
+    </p:extLst>
+  </p:cSld>
+  <p:clrMapOvr>
+    <a:overrideClrMapping bg1="lt1" tx1="dk1" bg2="lt2" tx2="dk2" accent1="accent1" accent2="accent2" accent3="accent3" accent4="accent4" accent5="accent5" accent6="accent6" hlink="hlink" folHlink="folHlink"/>
+  </p:clrMapOvr>
+</p:sld>
+</file>
+
+<file path=ppt/slides/slide17.xml><?xml version="1.0" encoding="utf-8"?>
+<p:sld xmlns:a="http://schemas.openxmlformats.org/drawingml/2006/main" xmlns:r="http://schemas.openxmlformats.org/officeDocument/2006/relationships" xmlns:p="http://schemas.openxmlformats.org/presentationml/2006/main">
+  <p:cSld>
+    <p:bg>
+      <p:bgPr>
+        <a:solidFill>
+          <a:srgbClr val="D3D3D3"/>
+        </a:solidFill>
+        <a:effectLst/>
+      </p:bgPr>
+    </p:bg>
+    <p:spTree>
+      <p:nvGrpSpPr>
+        <p:cNvPr id="1" name=""/>
+        <p:cNvGrpSpPr/>
+        <p:nvPr/>
+      </p:nvGrpSpPr>
+      <p:grpSpPr>
+        <a:xfrm>
+          <a:off x="0" y="0"/>
+          <a:ext cx="0" cy="0"/>
+          <a:chOff x="0" y="0"/>
+          <a:chExt cx="0" cy="0"/>
+        </a:xfrm>
+      </p:grpSpPr>
+      <p:cxnSp>
+        <p:nvCxnSpPr>
+          <p:cNvPr id="3" name="직선 연결선 2">
+            <a:extLst>
+              <a:ext uri="{FF2B5EF4-FFF2-40B4-BE49-F238E27FC236}">
+                <a16:creationId xmlns:a16="http://schemas.microsoft.com/office/drawing/2014/main" id="{3110FE03-E4F0-B7C9-EE14-12343C49484A}"/>
+              </a:ext>
+            </a:extLst>
+          </p:cNvPr>
+          <p:cNvCxnSpPr/>
+          <p:nvPr/>
+        </p:nvCxnSpPr>
+        <p:spPr>
+          <a:xfrm>
+            <a:off x="380010" y="807524"/>
+            <a:ext cx="11299372" cy="0"/>
+          </a:xfrm>
+          <a:prstGeom prst="line">
+            <a:avLst/>
+          </a:prstGeom>
+        </p:spPr>
+        <p:style>
+          <a:lnRef idx="1">
+            <a:schemeClr val="dk1"/>
+          </a:lnRef>
+          <a:fillRef idx="0">
+            <a:schemeClr val="dk1"/>
+          </a:fillRef>
+          <a:effectRef idx="0">
+            <a:schemeClr val="dk1"/>
+          </a:effectRef>
+          <a:fontRef idx="minor">
+            <a:schemeClr val="tx1"/>
+          </a:fontRef>
+        </p:style>
+      </p:cxnSp>
+      <p:sp>
+        <p:nvSpPr>
+          <p:cNvPr id="2" name="TextBox 1">
+            <a:extLst>
+              <a:ext uri="{FF2B5EF4-FFF2-40B4-BE49-F238E27FC236}">
+                <a16:creationId xmlns:a16="http://schemas.microsoft.com/office/drawing/2014/main" id="{D1A6210A-3C97-CCB1-F5A2-F3C4842FACFF}"/>
+              </a:ext>
+            </a:extLst>
+          </p:cNvPr>
+          <p:cNvSpPr txBox="1"/>
+          <p:nvPr/>
+        </p:nvSpPr>
+        <p:spPr>
+          <a:xfrm>
+            <a:off x="570015" y="302224"/>
+            <a:ext cx="4257304" cy="369332"/>
+          </a:xfrm>
+          <a:prstGeom prst="rect">
+            <a:avLst/>
+          </a:prstGeom>
+          <a:noFill/>
+        </p:spPr>
+        <p:txBody>
+          <a:bodyPr wrap="square" rtlCol="0">
+            <a:spAutoFit/>
+          </a:bodyPr>
+          <a:lstStyle/>
+          <a:p>
+            <a:r>
+              <a:rPr lang="en-US" altLang="ko-KR" dirty="0"/>
+              <a:t>Main.py</a:t>
+            </a:r>
+          </a:p>
+        </p:txBody>
+      </p:sp>
+      <p:sp>
+        <p:nvSpPr>
+          <p:cNvPr id="4" name="슬라이드 번호 개체 틀 3">
+            <a:extLst>
+              <a:ext uri="{FF2B5EF4-FFF2-40B4-BE49-F238E27FC236}">
+                <a16:creationId xmlns:a16="http://schemas.microsoft.com/office/drawing/2014/main" id="{D0550F37-327D-2E23-4CA6-CEA828182E0F}"/>
+              </a:ext>
+            </a:extLst>
+          </p:cNvPr>
+          <p:cNvSpPr>
+            <a:spLocks noGrp="1"/>
+          </p:cNvSpPr>
+          <p:nvPr>
+            <p:ph type="sldNum" sz="quarter" idx="12"/>
+          </p:nvPr>
+        </p:nvSpPr>
+        <p:spPr/>
+        <p:txBody>
+          <a:bodyPr/>
+          <a:lstStyle/>
+          <a:p>
+            <a:fld id="{7060851F-8675-439A-AB82-70DBB6223280}" type="slidenum">
+              <a:rPr lang="ko-KR" altLang="en-US" smtClean="0"/>
+              <a:t>17</a:t>
+            </a:fld>
+            <a:endParaRPr lang="ko-KR" altLang="en-US"/>
+          </a:p>
+        </p:txBody>
+      </p:sp>
+      <p:pic>
+        <p:nvPicPr>
+          <p:cNvPr id="6" name="그림 5">
+            <a:extLst>
+              <a:ext uri="{FF2B5EF4-FFF2-40B4-BE49-F238E27FC236}">
+                <a16:creationId xmlns:a16="http://schemas.microsoft.com/office/drawing/2014/main" id="{3B4EA6F9-98C7-1735-86FB-1D0D9BCB2AC2}"/>
+              </a:ext>
+            </a:extLst>
+          </p:cNvPr>
+          <p:cNvPicPr>
+            <a:picLocks noChangeAspect="1"/>
+          </p:cNvPicPr>
+          <p:nvPr/>
+        </p:nvPicPr>
+        <p:blipFill>
+          <a:blip r:embed="rId3"/>
+          <a:stretch>
+            <a:fillRect/>
+          </a:stretch>
+        </p:blipFill>
+        <p:spPr>
+          <a:xfrm>
+            <a:off x="780688" y="1081001"/>
+            <a:ext cx="10498015" cy="5210902"/>
+          </a:xfrm>
+          <a:prstGeom prst="rect">
+            <a:avLst/>
+          </a:prstGeom>
+        </p:spPr>
+      </p:pic>
+    </p:spTree>
+    <p:extLst>
+      <p:ext uri="{BB962C8B-B14F-4D97-AF65-F5344CB8AC3E}">
+        <p14:creationId xmlns:p14="http://schemas.microsoft.com/office/powerpoint/2010/main" val="3222725279"/>
+      </p:ext>
+    </p:extLst>
+  </p:cSld>
+  <p:clrMapOvr>
+    <a:overrideClrMapping bg1="lt1" tx1="dk1" bg2="lt2" tx2="dk2" accent1="accent1" accent2="accent2" accent3="accent3" accent4="accent4" accent5="accent5" accent6="accent6" hlink="hlink" folHlink="folHlink"/>
+  </p:clrMapOvr>
+</p:sld>
+</file>
+
+<file path=ppt/slides/slide18.xml><?xml version="1.0" encoding="utf-8"?>
+<p:sld xmlns:a="http://schemas.openxmlformats.org/drawingml/2006/main" xmlns:r="http://schemas.openxmlformats.org/officeDocument/2006/relationships" xmlns:p="http://schemas.openxmlformats.org/presentationml/2006/main">
+  <p:cSld>
+    <p:bg>
+      <p:bgPr>
+        <a:solidFill>
+          <a:srgbClr val="D3D3D3"/>
+        </a:solidFill>
+        <a:effectLst/>
+      </p:bgPr>
+    </p:bg>
+    <p:spTree>
+      <p:nvGrpSpPr>
+        <p:cNvPr id="1" name=""/>
+        <p:cNvGrpSpPr/>
+        <p:nvPr/>
+      </p:nvGrpSpPr>
+      <p:grpSpPr>
+        <a:xfrm>
+          <a:off x="0" y="0"/>
+          <a:ext cx="0" cy="0"/>
+          <a:chOff x="0" y="0"/>
+          <a:chExt cx="0" cy="0"/>
+        </a:xfrm>
+      </p:grpSpPr>
+      <p:cxnSp>
+        <p:nvCxnSpPr>
+          <p:cNvPr id="3" name="직선 연결선 2">
+            <a:extLst>
+              <a:ext uri="{FF2B5EF4-FFF2-40B4-BE49-F238E27FC236}">
+                <a16:creationId xmlns:a16="http://schemas.microsoft.com/office/drawing/2014/main" id="{3110FE03-E4F0-B7C9-EE14-12343C49484A}"/>
+              </a:ext>
+            </a:extLst>
+          </p:cNvPr>
+          <p:cNvCxnSpPr/>
+          <p:nvPr/>
+        </p:nvCxnSpPr>
+        <p:spPr>
+          <a:xfrm>
+            <a:off x="380010" y="807524"/>
+            <a:ext cx="11299372" cy="0"/>
+          </a:xfrm>
+          <a:prstGeom prst="line">
+            <a:avLst/>
+          </a:prstGeom>
+        </p:spPr>
+        <p:style>
+          <a:lnRef idx="1">
+            <a:schemeClr val="dk1"/>
+          </a:lnRef>
+          <a:fillRef idx="0">
+            <a:schemeClr val="dk1"/>
+          </a:fillRef>
+          <a:effectRef idx="0">
+            <a:schemeClr val="dk1"/>
+          </a:effectRef>
+          <a:fontRef idx="minor">
+            <a:schemeClr val="tx1"/>
+          </a:fontRef>
+        </p:style>
+      </p:cxnSp>
+      <p:sp>
+        <p:nvSpPr>
+          <p:cNvPr id="2" name="TextBox 1">
+            <a:extLst>
+              <a:ext uri="{FF2B5EF4-FFF2-40B4-BE49-F238E27FC236}">
+                <a16:creationId xmlns:a16="http://schemas.microsoft.com/office/drawing/2014/main" id="{D1A6210A-3C97-CCB1-F5A2-F3C4842FACFF}"/>
+              </a:ext>
+            </a:extLst>
+          </p:cNvPr>
+          <p:cNvSpPr txBox="1"/>
+          <p:nvPr/>
+        </p:nvSpPr>
+        <p:spPr>
+          <a:xfrm>
+            <a:off x="570015" y="302224"/>
+            <a:ext cx="4257304" cy="369332"/>
+          </a:xfrm>
+          <a:prstGeom prst="rect">
+            <a:avLst/>
+          </a:prstGeom>
+          <a:noFill/>
+        </p:spPr>
+        <p:txBody>
+          <a:bodyPr wrap="square" rtlCol="0">
+            <a:spAutoFit/>
+          </a:bodyPr>
+          <a:lstStyle/>
+          <a:p>
+            <a:r>
+              <a:rPr lang="en-US" altLang="ko-KR" dirty="0"/>
+              <a:t>Main.py</a:t>
+            </a:r>
+          </a:p>
+        </p:txBody>
+      </p:sp>
+      <p:sp>
+        <p:nvSpPr>
+          <p:cNvPr id="4" name="슬라이드 번호 개체 틀 3">
+            <a:extLst>
+              <a:ext uri="{FF2B5EF4-FFF2-40B4-BE49-F238E27FC236}">
+                <a16:creationId xmlns:a16="http://schemas.microsoft.com/office/drawing/2014/main" id="{D0550F37-327D-2E23-4CA6-CEA828182E0F}"/>
+              </a:ext>
+            </a:extLst>
+          </p:cNvPr>
+          <p:cNvSpPr>
+            <a:spLocks noGrp="1"/>
+          </p:cNvSpPr>
+          <p:nvPr>
+            <p:ph type="sldNum" sz="quarter" idx="12"/>
+          </p:nvPr>
+        </p:nvSpPr>
+        <p:spPr/>
+        <p:txBody>
+          <a:bodyPr/>
+          <a:lstStyle/>
+          <a:p>
+            <a:fld id="{7060851F-8675-439A-AB82-70DBB6223280}" type="slidenum">
+              <a:rPr lang="ko-KR" altLang="en-US" smtClean="0"/>
+              <a:t>18</a:t>
+            </a:fld>
+            <a:endParaRPr lang="ko-KR" altLang="en-US"/>
+          </a:p>
+        </p:txBody>
+      </p:sp>
+      <p:pic>
+        <p:nvPicPr>
+          <p:cNvPr id="7" name="그림 6">
+            <a:extLst>
+              <a:ext uri="{FF2B5EF4-FFF2-40B4-BE49-F238E27FC236}">
+                <a16:creationId xmlns:a16="http://schemas.microsoft.com/office/drawing/2014/main" id="{C8909289-5969-1C90-DCC8-B9736C74E671}"/>
+              </a:ext>
+            </a:extLst>
+          </p:cNvPr>
+          <p:cNvPicPr>
+            <a:picLocks noChangeAspect="1"/>
+          </p:cNvPicPr>
+          <p:nvPr/>
+        </p:nvPicPr>
+        <p:blipFill>
+          <a:blip r:embed="rId3"/>
+          <a:stretch>
+            <a:fillRect/>
+          </a:stretch>
+        </p:blipFill>
+        <p:spPr>
+          <a:xfrm>
+            <a:off x="570015" y="1097057"/>
+            <a:ext cx="7692994" cy="5192771"/>
+          </a:xfrm>
+          <a:prstGeom prst="rect">
+            <a:avLst/>
+          </a:prstGeom>
+        </p:spPr>
+      </p:pic>
+    </p:spTree>
+    <p:extLst>
+      <p:ext uri="{BB962C8B-B14F-4D97-AF65-F5344CB8AC3E}">
+        <p14:creationId xmlns:p14="http://schemas.microsoft.com/office/powerpoint/2010/main" val="728647629"/>
+      </p:ext>
+    </p:extLst>
+  </p:cSld>
+  <p:clrMapOvr>
+    <a:overrideClrMapping bg1="lt1" tx1="dk1" bg2="lt2" tx2="dk2" accent1="accent1" accent2="accent2" accent3="accent3" accent4="accent4" accent5="accent5" accent6="accent6" hlink="hlink" folHlink="folHlink"/>
+  </p:clrMapOvr>
+</p:sld>
+</file>
+
+<file path=ppt/slides/slide19.xml><?xml version="1.0" encoding="utf-8"?>
+<p:sld xmlns:a="http://schemas.openxmlformats.org/drawingml/2006/main" xmlns:r="http://schemas.openxmlformats.org/officeDocument/2006/relationships" xmlns:p="http://schemas.openxmlformats.org/presentationml/2006/main">
+  <p:cSld>
+    <p:bg>
+      <p:bgPr>
+        <a:solidFill>
+          <a:srgbClr val="D3D3D3"/>
+        </a:solidFill>
+        <a:effectLst/>
+      </p:bgPr>
+    </p:bg>
+    <p:spTree>
+      <p:nvGrpSpPr>
+        <p:cNvPr id="1" name=""/>
+        <p:cNvGrpSpPr/>
+        <p:nvPr/>
+      </p:nvGrpSpPr>
+      <p:grpSpPr>
+        <a:xfrm>
+          <a:off x="0" y="0"/>
+          <a:ext cx="0" cy="0"/>
+          <a:chOff x="0" y="0"/>
+          <a:chExt cx="0" cy="0"/>
+        </a:xfrm>
+      </p:grpSpPr>
+      <p:cxnSp>
+        <p:nvCxnSpPr>
+          <p:cNvPr id="3" name="직선 연결선 2">
+            <a:extLst>
+              <a:ext uri="{FF2B5EF4-FFF2-40B4-BE49-F238E27FC236}">
+                <a16:creationId xmlns:a16="http://schemas.microsoft.com/office/drawing/2014/main" id="{3110FE03-E4F0-B7C9-EE14-12343C49484A}"/>
+              </a:ext>
+            </a:extLst>
+          </p:cNvPr>
+          <p:cNvCxnSpPr/>
+          <p:nvPr/>
+        </p:nvCxnSpPr>
+        <p:spPr>
+          <a:xfrm>
+            <a:off x="380010" y="807524"/>
+            <a:ext cx="11299372" cy="0"/>
+          </a:xfrm>
+          <a:prstGeom prst="line">
+            <a:avLst/>
+          </a:prstGeom>
+        </p:spPr>
+        <p:style>
+          <a:lnRef idx="1">
+            <a:schemeClr val="dk1"/>
+          </a:lnRef>
+          <a:fillRef idx="0">
+            <a:schemeClr val="dk1"/>
+          </a:fillRef>
+          <a:effectRef idx="0">
+            <a:schemeClr val="dk1"/>
+          </a:effectRef>
+          <a:fontRef idx="minor">
+            <a:schemeClr val="tx1"/>
+          </a:fontRef>
+        </p:style>
+      </p:cxnSp>
+      <p:sp>
+        <p:nvSpPr>
+          <p:cNvPr id="2" name="TextBox 1">
+            <a:extLst>
+              <a:ext uri="{FF2B5EF4-FFF2-40B4-BE49-F238E27FC236}">
+                <a16:creationId xmlns:a16="http://schemas.microsoft.com/office/drawing/2014/main" id="{D1A6210A-3C97-CCB1-F5A2-F3C4842FACFF}"/>
+              </a:ext>
+            </a:extLst>
+          </p:cNvPr>
+          <p:cNvSpPr txBox="1"/>
+          <p:nvPr/>
+        </p:nvSpPr>
+        <p:spPr>
+          <a:xfrm>
+            <a:off x="570015" y="302224"/>
+            <a:ext cx="4257304" cy="369332"/>
+          </a:xfrm>
+          <a:prstGeom prst="rect">
+            <a:avLst/>
+          </a:prstGeom>
+          <a:noFill/>
+        </p:spPr>
+        <p:txBody>
+          <a:bodyPr wrap="square" rtlCol="0">
+            <a:spAutoFit/>
+          </a:bodyPr>
+          <a:lstStyle/>
+          <a:p>
+            <a:r>
+              <a:rPr lang="en-US" altLang="ko-KR" dirty="0"/>
+              <a:t>Main.py</a:t>
+            </a:r>
+          </a:p>
+        </p:txBody>
+      </p:sp>
+      <p:sp>
+        <p:nvSpPr>
+          <p:cNvPr id="4" name="슬라이드 번호 개체 틀 3">
+            <a:extLst>
+              <a:ext uri="{FF2B5EF4-FFF2-40B4-BE49-F238E27FC236}">
+                <a16:creationId xmlns:a16="http://schemas.microsoft.com/office/drawing/2014/main" id="{D0550F37-327D-2E23-4CA6-CEA828182E0F}"/>
+              </a:ext>
+            </a:extLst>
+          </p:cNvPr>
+          <p:cNvSpPr>
+            <a:spLocks noGrp="1"/>
+          </p:cNvSpPr>
+          <p:nvPr>
+            <p:ph type="sldNum" sz="quarter" idx="12"/>
+          </p:nvPr>
+        </p:nvSpPr>
+        <p:spPr/>
+        <p:txBody>
+          <a:bodyPr/>
+          <a:lstStyle/>
+          <a:p>
+            <a:fld id="{7060851F-8675-439A-AB82-70DBB6223280}" type="slidenum">
+              <a:rPr lang="ko-KR" altLang="en-US" smtClean="0"/>
+              <a:t>19</a:t>
+            </a:fld>
+            <a:endParaRPr lang="ko-KR" altLang="en-US"/>
+          </a:p>
+        </p:txBody>
+      </p:sp>
+      <p:pic>
+        <p:nvPicPr>
+          <p:cNvPr id="7" name="그림 6">
+            <a:extLst>
+              <a:ext uri="{FF2B5EF4-FFF2-40B4-BE49-F238E27FC236}">
+                <a16:creationId xmlns:a16="http://schemas.microsoft.com/office/drawing/2014/main" id="{2E43AF10-2DD6-EF35-8DF2-7FC1717033E8}"/>
+              </a:ext>
+            </a:extLst>
+          </p:cNvPr>
+          <p:cNvPicPr>
+            <a:picLocks noChangeAspect="1"/>
+          </p:cNvPicPr>
+          <p:nvPr/>
+        </p:nvPicPr>
+        <p:blipFill>
+          <a:blip r:embed="rId3"/>
+          <a:stretch>
+            <a:fillRect/>
+          </a:stretch>
+        </p:blipFill>
+        <p:spPr>
+          <a:xfrm>
+            <a:off x="695885" y="937674"/>
+            <a:ext cx="8569469" cy="5783801"/>
+          </a:xfrm>
+          <a:prstGeom prst="rect">
+            <a:avLst/>
+          </a:prstGeom>
+        </p:spPr>
+      </p:pic>
+    </p:spTree>
+    <p:extLst>
+      <p:ext uri="{BB962C8B-B14F-4D97-AF65-F5344CB8AC3E}">
+        <p14:creationId xmlns:p14="http://schemas.microsoft.com/office/powerpoint/2010/main" val="795474872"/>
       </p:ext>
     </p:extLst>
   </p:cSld>
@@ -9342,6 +9661,960 @@
     <p:extLst>
       <p:ext uri="{BB962C8B-B14F-4D97-AF65-F5344CB8AC3E}">
         <p14:creationId xmlns:p14="http://schemas.microsoft.com/office/powerpoint/2010/main" val="4117360138"/>
+      </p:ext>
+    </p:extLst>
+  </p:cSld>
+  <p:clrMapOvr>
+    <a:overrideClrMapping bg1="lt1" tx1="dk1" bg2="lt2" tx2="dk2" accent1="accent1" accent2="accent2" accent3="accent3" accent4="accent4" accent5="accent5" accent6="accent6" hlink="hlink" folHlink="folHlink"/>
+  </p:clrMapOvr>
+</p:sld>
+</file>
+
+<file path=ppt/slides/slide20.xml><?xml version="1.0" encoding="utf-8"?>
+<p:sld xmlns:a="http://schemas.openxmlformats.org/drawingml/2006/main" xmlns:r="http://schemas.openxmlformats.org/officeDocument/2006/relationships" xmlns:p="http://schemas.openxmlformats.org/presentationml/2006/main">
+  <p:cSld>
+    <p:bg>
+      <p:bgPr>
+        <a:solidFill>
+          <a:srgbClr val="D3D3D3"/>
+        </a:solidFill>
+        <a:effectLst/>
+      </p:bgPr>
+    </p:bg>
+    <p:spTree>
+      <p:nvGrpSpPr>
+        <p:cNvPr id="1" name=""/>
+        <p:cNvGrpSpPr/>
+        <p:nvPr/>
+      </p:nvGrpSpPr>
+      <p:grpSpPr>
+        <a:xfrm>
+          <a:off x="0" y="0"/>
+          <a:ext cx="0" cy="0"/>
+          <a:chOff x="0" y="0"/>
+          <a:chExt cx="0" cy="0"/>
+        </a:xfrm>
+      </p:grpSpPr>
+      <p:cxnSp>
+        <p:nvCxnSpPr>
+          <p:cNvPr id="3" name="직선 연결선 2">
+            <a:extLst>
+              <a:ext uri="{FF2B5EF4-FFF2-40B4-BE49-F238E27FC236}">
+                <a16:creationId xmlns:a16="http://schemas.microsoft.com/office/drawing/2014/main" id="{3110FE03-E4F0-B7C9-EE14-12343C49484A}"/>
+              </a:ext>
+            </a:extLst>
+          </p:cNvPr>
+          <p:cNvCxnSpPr/>
+          <p:nvPr/>
+        </p:nvCxnSpPr>
+        <p:spPr>
+          <a:xfrm>
+            <a:off x="380010" y="807524"/>
+            <a:ext cx="11299372" cy="0"/>
+          </a:xfrm>
+          <a:prstGeom prst="line">
+            <a:avLst/>
+          </a:prstGeom>
+        </p:spPr>
+        <p:style>
+          <a:lnRef idx="1">
+            <a:schemeClr val="dk1"/>
+          </a:lnRef>
+          <a:fillRef idx="0">
+            <a:schemeClr val="dk1"/>
+          </a:fillRef>
+          <a:effectRef idx="0">
+            <a:schemeClr val="dk1"/>
+          </a:effectRef>
+          <a:fontRef idx="minor">
+            <a:schemeClr val="tx1"/>
+          </a:fontRef>
+        </p:style>
+      </p:cxnSp>
+      <p:sp>
+        <p:nvSpPr>
+          <p:cNvPr id="2" name="TextBox 1">
+            <a:extLst>
+              <a:ext uri="{FF2B5EF4-FFF2-40B4-BE49-F238E27FC236}">
+                <a16:creationId xmlns:a16="http://schemas.microsoft.com/office/drawing/2014/main" id="{D1A6210A-3C97-CCB1-F5A2-F3C4842FACFF}"/>
+              </a:ext>
+            </a:extLst>
+          </p:cNvPr>
+          <p:cNvSpPr txBox="1"/>
+          <p:nvPr/>
+        </p:nvSpPr>
+        <p:spPr>
+          <a:xfrm>
+            <a:off x="570015" y="302224"/>
+            <a:ext cx="4257304" cy="369332"/>
+          </a:xfrm>
+          <a:prstGeom prst="rect">
+            <a:avLst/>
+          </a:prstGeom>
+          <a:noFill/>
+        </p:spPr>
+        <p:txBody>
+          <a:bodyPr wrap="square" rtlCol="0">
+            <a:spAutoFit/>
+          </a:bodyPr>
+          <a:lstStyle/>
+          <a:p>
+            <a:r>
+              <a:rPr lang="en-US" altLang="ko-KR" dirty="0"/>
+              <a:t>Main.py</a:t>
+            </a:r>
+          </a:p>
+        </p:txBody>
+      </p:sp>
+      <p:sp>
+        <p:nvSpPr>
+          <p:cNvPr id="4" name="슬라이드 번호 개체 틀 3">
+            <a:extLst>
+              <a:ext uri="{FF2B5EF4-FFF2-40B4-BE49-F238E27FC236}">
+                <a16:creationId xmlns:a16="http://schemas.microsoft.com/office/drawing/2014/main" id="{D0550F37-327D-2E23-4CA6-CEA828182E0F}"/>
+              </a:ext>
+            </a:extLst>
+          </p:cNvPr>
+          <p:cNvSpPr>
+            <a:spLocks noGrp="1"/>
+          </p:cNvSpPr>
+          <p:nvPr>
+            <p:ph type="sldNum" sz="quarter" idx="12"/>
+          </p:nvPr>
+        </p:nvSpPr>
+        <p:spPr/>
+        <p:txBody>
+          <a:bodyPr/>
+          <a:lstStyle/>
+          <a:p>
+            <a:fld id="{7060851F-8675-439A-AB82-70DBB6223280}" type="slidenum">
+              <a:rPr lang="ko-KR" altLang="en-US" smtClean="0"/>
+              <a:t>20</a:t>
+            </a:fld>
+            <a:endParaRPr lang="ko-KR" altLang="en-US"/>
+          </a:p>
+        </p:txBody>
+      </p:sp>
+      <p:pic>
+        <p:nvPicPr>
+          <p:cNvPr id="6" name="그림 5">
+            <a:extLst>
+              <a:ext uri="{FF2B5EF4-FFF2-40B4-BE49-F238E27FC236}">
+                <a16:creationId xmlns:a16="http://schemas.microsoft.com/office/drawing/2014/main" id="{FF2977A4-E26F-CC07-2ADD-2618B35A79DD}"/>
+              </a:ext>
+            </a:extLst>
+          </p:cNvPr>
+          <p:cNvPicPr>
+            <a:picLocks noChangeAspect="1"/>
+          </p:cNvPicPr>
+          <p:nvPr/>
+        </p:nvPicPr>
+        <p:blipFill>
+          <a:blip r:embed="rId3"/>
+          <a:stretch>
+            <a:fillRect/>
+          </a:stretch>
+        </p:blipFill>
+        <p:spPr>
+          <a:xfrm>
+            <a:off x="833556" y="1048895"/>
+            <a:ext cx="8539705" cy="5171486"/>
+          </a:xfrm>
+          <a:prstGeom prst="rect">
+            <a:avLst/>
+          </a:prstGeom>
+        </p:spPr>
+      </p:pic>
+    </p:spTree>
+    <p:extLst>
+      <p:ext uri="{BB962C8B-B14F-4D97-AF65-F5344CB8AC3E}">
+        <p14:creationId xmlns:p14="http://schemas.microsoft.com/office/powerpoint/2010/main" val="1068430730"/>
+      </p:ext>
+    </p:extLst>
+  </p:cSld>
+  <p:clrMapOvr>
+    <a:overrideClrMapping bg1="lt1" tx1="dk1" bg2="lt2" tx2="dk2" accent1="accent1" accent2="accent2" accent3="accent3" accent4="accent4" accent5="accent5" accent6="accent6" hlink="hlink" folHlink="folHlink"/>
+  </p:clrMapOvr>
+</p:sld>
+</file>
+
+<file path=ppt/slides/slide21.xml><?xml version="1.0" encoding="utf-8"?>
+<p:sld xmlns:a="http://schemas.openxmlformats.org/drawingml/2006/main" xmlns:r="http://schemas.openxmlformats.org/officeDocument/2006/relationships" xmlns:p="http://schemas.openxmlformats.org/presentationml/2006/main">
+  <p:cSld>
+    <p:bg>
+      <p:bgPr>
+        <a:solidFill>
+          <a:srgbClr val="D3D3D3"/>
+        </a:solidFill>
+        <a:effectLst/>
+      </p:bgPr>
+    </p:bg>
+    <p:spTree>
+      <p:nvGrpSpPr>
+        <p:cNvPr id="1" name=""/>
+        <p:cNvGrpSpPr/>
+        <p:nvPr/>
+      </p:nvGrpSpPr>
+      <p:grpSpPr>
+        <a:xfrm>
+          <a:off x="0" y="0"/>
+          <a:ext cx="0" cy="0"/>
+          <a:chOff x="0" y="0"/>
+          <a:chExt cx="0" cy="0"/>
+        </a:xfrm>
+      </p:grpSpPr>
+      <p:cxnSp>
+        <p:nvCxnSpPr>
+          <p:cNvPr id="3" name="직선 연결선 2">
+            <a:extLst>
+              <a:ext uri="{FF2B5EF4-FFF2-40B4-BE49-F238E27FC236}">
+                <a16:creationId xmlns:a16="http://schemas.microsoft.com/office/drawing/2014/main" id="{3110FE03-E4F0-B7C9-EE14-12343C49484A}"/>
+              </a:ext>
+            </a:extLst>
+          </p:cNvPr>
+          <p:cNvCxnSpPr/>
+          <p:nvPr/>
+        </p:nvCxnSpPr>
+        <p:spPr>
+          <a:xfrm>
+            <a:off x="380010" y="807524"/>
+            <a:ext cx="11299372" cy="0"/>
+          </a:xfrm>
+          <a:prstGeom prst="line">
+            <a:avLst/>
+          </a:prstGeom>
+        </p:spPr>
+        <p:style>
+          <a:lnRef idx="1">
+            <a:schemeClr val="dk1"/>
+          </a:lnRef>
+          <a:fillRef idx="0">
+            <a:schemeClr val="dk1"/>
+          </a:fillRef>
+          <a:effectRef idx="0">
+            <a:schemeClr val="dk1"/>
+          </a:effectRef>
+          <a:fontRef idx="minor">
+            <a:schemeClr val="tx1"/>
+          </a:fontRef>
+        </p:style>
+      </p:cxnSp>
+      <p:sp>
+        <p:nvSpPr>
+          <p:cNvPr id="2" name="슬라이드 번호 개체 틀 1">
+            <a:extLst>
+              <a:ext uri="{FF2B5EF4-FFF2-40B4-BE49-F238E27FC236}">
+                <a16:creationId xmlns:a16="http://schemas.microsoft.com/office/drawing/2014/main" id="{90C01407-AC58-A30B-52CC-BB2BD90BAC0C}"/>
+              </a:ext>
+            </a:extLst>
+          </p:cNvPr>
+          <p:cNvSpPr>
+            <a:spLocks noGrp="1"/>
+          </p:cNvSpPr>
+          <p:nvPr>
+            <p:ph type="sldNum" sz="quarter" idx="12"/>
+          </p:nvPr>
+        </p:nvSpPr>
+        <p:spPr/>
+        <p:txBody>
+          <a:bodyPr/>
+          <a:lstStyle/>
+          <a:p>
+            <a:fld id="{7060851F-8675-439A-AB82-70DBB6223280}" type="slidenum">
+              <a:rPr lang="ko-KR" altLang="en-US" smtClean="0"/>
+              <a:t>21</a:t>
+            </a:fld>
+            <a:endParaRPr lang="ko-KR" altLang="en-US"/>
+          </a:p>
+        </p:txBody>
+      </p:sp>
+      <p:sp>
+        <p:nvSpPr>
+          <p:cNvPr id="4" name="TextBox 3">
+            <a:extLst>
+              <a:ext uri="{FF2B5EF4-FFF2-40B4-BE49-F238E27FC236}">
+                <a16:creationId xmlns:a16="http://schemas.microsoft.com/office/drawing/2014/main" id="{89D421C5-4F06-7974-1B94-65FEBFAF1241}"/>
+              </a:ext>
+            </a:extLst>
+          </p:cNvPr>
+          <p:cNvSpPr txBox="1"/>
+          <p:nvPr/>
+        </p:nvSpPr>
+        <p:spPr>
+          <a:xfrm>
+            <a:off x="593766" y="278473"/>
+            <a:ext cx="6044540" cy="369332"/>
+          </a:xfrm>
+          <a:prstGeom prst="rect">
+            <a:avLst/>
+          </a:prstGeom>
+          <a:noFill/>
+        </p:spPr>
+        <p:txBody>
+          <a:bodyPr wrap="square" rtlCol="0">
+            <a:spAutoFit/>
+          </a:bodyPr>
+          <a:lstStyle/>
+          <a:p>
+            <a:r>
+              <a:rPr lang="ko-KR" altLang="en-US" dirty="0"/>
+              <a:t>종목 추출 기능 </a:t>
+            </a:r>
+            <a:r>
+              <a:rPr lang="en-US" altLang="ko-KR" dirty="0"/>
+              <a:t>- </a:t>
+            </a:r>
+            <a:r>
+              <a:rPr lang="ko-KR" altLang="en-US" dirty="0" err="1"/>
+              <a:t>가치주</a:t>
+            </a:r>
+            <a:endParaRPr lang="ko-KR" altLang="en-US" dirty="0"/>
+          </a:p>
+        </p:txBody>
+      </p:sp>
+      <p:sp>
+        <p:nvSpPr>
+          <p:cNvPr id="5" name="TextBox 4">
+            <a:extLst>
+              <a:ext uri="{FF2B5EF4-FFF2-40B4-BE49-F238E27FC236}">
+                <a16:creationId xmlns:a16="http://schemas.microsoft.com/office/drawing/2014/main" id="{F5D83755-D5FD-4B71-D423-C6949A45DB8D}"/>
+              </a:ext>
+            </a:extLst>
+          </p:cNvPr>
+          <p:cNvSpPr txBox="1"/>
+          <p:nvPr/>
+        </p:nvSpPr>
+        <p:spPr>
+          <a:xfrm>
+            <a:off x="730333" y="1001038"/>
+            <a:ext cx="8651174" cy="5355312"/>
+          </a:xfrm>
+          <a:prstGeom prst="rect">
+            <a:avLst/>
+          </a:prstGeom>
+          <a:noFill/>
+        </p:spPr>
+        <p:txBody>
+          <a:bodyPr wrap="square" rtlCol="0">
+            <a:spAutoFit/>
+          </a:bodyPr>
+          <a:lstStyle/>
+          <a:p>
+            <a:pPr marL="342900" indent="-342900">
+              <a:buAutoNum type="arabicPeriod"/>
+            </a:pPr>
+            <a:r>
+              <a:rPr lang="ko-KR" altLang="en-US" dirty="0"/>
+              <a:t>이익 대비 저평가 종목 </a:t>
+            </a:r>
+            <a:r>
+              <a:rPr lang="en-US" altLang="ko-KR" dirty="0"/>
+              <a:t>: PER</a:t>
+            </a:r>
+          </a:p>
+          <a:p>
+            <a:pPr marL="342900" indent="-342900">
+              <a:buAutoNum type="arabicPeriod"/>
+            </a:pPr>
+            <a:endParaRPr lang="en-US" altLang="ko-KR" dirty="0"/>
+          </a:p>
+          <a:p>
+            <a:pPr marL="342900" indent="-342900">
+              <a:buAutoNum type="arabicPeriod"/>
+            </a:pPr>
+            <a:r>
+              <a:rPr lang="ko-KR" altLang="en-US" dirty="0"/>
+              <a:t>장부 가치 대비 저평가 종목 </a:t>
+            </a:r>
+            <a:r>
+              <a:rPr lang="en-US" altLang="ko-KR" dirty="0"/>
+              <a:t>: PBR</a:t>
+            </a:r>
+          </a:p>
+          <a:p>
+            <a:pPr marL="342900" indent="-342900">
+              <a:buAutoNum type="arabicPeriod"/>
+            </a:pPr>
+            <a:endParaRPr lang="en-US" altLang="ko-KR" dirty="0"/>
+          </a:p>
+          <a:p>
+            <a:pPr marL="342900" indent="-342900">
+              <a:buFontTx/>
+              <a:buAutoNum type="arabicPeriod"/>
+            </a:pPr>
+            <a:r>
+              <a:rPr lang="ko-KR" altLang="en-US" dirty="0"/>
+              <a:t>이익대비 저평가 종목</a:t>
+            </a:r>
+            <a:r>
+              <a:rPr lang="en-US" altLang="ko-KR" dirty="0"/>
+              <a:t>: PER</a:t>
+            </a:r>
+          </a:p>
+          <a:p>
+            <a:pPr marL="342900" indent="-342900">
+              <a:buAutoNum type="arabicPeriod"/>
+            </a:pPr>
+            <a:endParaRPr lang="en-US" altLang="ko-KR" dirty="0"/>
+          </a:p>
+          <a:p>
+            <a:pPr marL="342900" indent="-342900">
+              <a:buFontTx/>
+              <a:buAutoNum type="arabicPeriod"/>
+            </a:pPr>
+            <a:r>
+              <a:rPr lang="ko-KR" altLang="en-US" dirty="0"/>
+              <a:t>장부가치대비 저평가 종목</a:t>
+            </a:r>
+            <a:r>
+              <a:rPr lang="en-US" altLang="ko-KR" dirty="0"/>
+              <a:t>: PBR</a:t>
+            </a:r>
+          </a:p>
+          <a:p>
+            <a:pPr marL="342900" indent="-342900">
+              <a:buAutoNum type="arabicPeriod"/>
+            </a:pPr>
+            <a:endParaRPr lang="en-US" altLang="ko-KR" dirty="0"/>
+          </a:p>
+          <a:p>
+            <a:pPr marL="342900" indent="-342900">
+              <a:buFontTx/>
+              <a:buAutoNum type="arabicPeriod"/>
+            </a:pPr>
+            <a:r>
+              <a:rPr lang="ko-KR" altLang="en-US" dirty="0"/>
+              <a:t>매출대비 저평가 종목</a:t>
+            </a:r>
+            <a:r>
+              <a:rPr lang="en-US" altLang="ko-KR" dirty="0"/>
+              <a:t>: PSR</a:t>
+            </a:r>
+          </a:p>
+          <a:p>
+            <a:pPr marL="342900" indent="-342900">
+              <a:buAutoNum type="arabicPeriod"/>
+            </a:pPr>
+            <a:endParaRPr lang="en-US" altLang="ko-KR" dirty="0"/>
+          </a:p>
+          <a:p>
+            <a:pPr marL="342900" indent="-342900">
+              <a:buFontTx/>
+              <a:buAutoNum type="arabicPeriod"/>
+            </a:pPr>
+            <a:r>
+              <a:rPr lang="ko-KR" altLang="en-US" dirty="0"/>
+              <a:t>현금흐름대비 저평가 종목</a:t>
+            </a:r>
+            <a:r>
+              <a:rPr lang="en-US" altLang="ko-KR" dirty="0"/>
+              <a:t>: PCR</a:t>
+            </a:r>
+          </a:p>
+          <a:p>
+            <a:pPr marL="342900" indent="-342900">
+              <a:buAutoNum type="arabicPeriod"/>
+            </a:pPr>
+            <a:endParaRPr lang="en-US" altLang="ko-KR" dirty="0"/>
+          </a:p>
+          <a:p>
+            <a:pPr marL="342900" indent="-342900">
+              <a:buFontTx/>
+              <a:buAutoNum type="arabicPeriod"/>
+            </a:pPr>
+            <a:r>
+              <a:rPr lang="ko-KR" altLang="en-US" dirty="0"/>
+              <a:t>가치지표 결합하기</a:t>
+            </a:r>
+            <a:endParaRPr lang="en-US" altLang="ko-KR" dirty="0"/>
+          </a:p>
+          <a:p>
+            <a:pPr marL="342900" indent="-342900">
+              <a:buAutoNum type="arabicPeriod"/>
+            </a:pPr>
+            <a:endParaRPr lang="en-US" altLang="ko-KR" dirty="0"/>
+          </a:p>
+          <a:p>
+            <a:pPr marL="342900" indent="-342900">
+              <a:buFontTx/>
+              <a:buAutoNum type="arabicPeriod"/>
+            </a:pPr>
+            <a:r>
+              <a:rPr lang="ko-KR" altLang="en-US" dirty="0"/>
+              <a:t>가치투자 </a:t>
+            </a:r>
+            <a:r>
+              <a:rPr lang="en-US" altLang="ko-KR" dirty="0"/>
+              <a:t>4</a:t>
+            </a:r>
+            <a:r>
+              <a:rPr lang="ko-KR" altLang="en-US" dirty="0"/>
+              <a:t>대장 콤보</a:t>
+            </a:r>
+            <a:endParaRPr lang="en-US" altLang="ko-KR" dirty="0"/>
+          </a:p>
+          <a:p>
+            <a:pPr marL="342900" indent="-342900">
+              <a:buAutoNum type="arabicPeriod"/>
+            </a:pPr>
+            <a:endParaRPr lang="en-US" altLang="ko-KR" dirty="0"/>
+          </a:p>
+          <a:p>
+            <a:pPr marL="342900" indent="-342900">
+              <a:buFontTx/>
+              <a:buAutoNum type="arabicPeriod"/>
+            </a:pPr>
+            <a:r>
+              <a:rPr lang="ko-KR" altLang="en-US" dirty="0"/>
+              <a:t>실적대비 기업가치</a:t>
+            </a:r>
+            <a:r>
+              <a:rPr lang="en-US" altLang="ko-KR" dirty="0"/>
+              <a:t>: EV/EBITDA &amp; EV Sales</a:t>
+            </a:r>
+          </a:p>
+          <a:p>
+            <a:pPr marL="342900" indent="-342900">
+              <a:buAutoNum type="arabicPeriod"/>
+            </a:pPr>
+            <a:endParaRPr lang="en-US" altLang="ko-KR" dirty="0"/>
+          </a:p>
+          <a:p>
+            <a:pPr marL="342900" indent="-342900">
+              <a:buFontTx/>
+              <a:buAutoNum type="arabicPeriod"/>
+            </a:pPr>
+            <a:r>
+              <a:rPr lang="en-US" altLang="ko-KR" dirty="0"/>
+              <a:t>PEG </a:t>
+            </a:r>
+            <a:r>
+              <a:rPr lang="ko-KR" altLang="en-US" dirty="0"/>
+              <a:t>기반 종목 추출</a:t>
+            </a:r>
+          </a:p>
+        </p:txBody>
+      </p:sp>
+    </p:spTree>
+    <p:extLst>
+      <p:ext uri="{BB962C8B-B14F-4D97-AF65-F5344CB8AC3E}">
+        <p14:creationId xmlns:p14="http://schemas.microsoft.com/office/powerpoint/2010/main" val="1414763056"/>
+      </p:ext>
+    </p:extLst>
+  </p:cSld>
+  <p:clrMapOvr>
+    <a:overrideClrMapping bg1="lt1" tx1="dk1" bg2="lt2" tx2="dk2" accent1="accent1" accent2="accent2" accent3="accent3" accent4="accent4" accent5="accent5" accent6="accent6" hlink="hlink" folHlink="folHlink"/>
+  </p:clrMapOvr>
+</p:sld>
+</file>
+
+<file path=ppt/slides/slide22.xml><?xml version="1.0" encoding="utf-8"?>
+<p:sld xmlns:a="http://schemas.openxmlformats.org/drawingml/2006/main" xmlns:r="http://schemas.openxmlformats.org/officeDocument/2006/relationships" xmlns:p="http://schemas.openxmlformats.org/presentationml/2006/main">
+  <p:cSld>
+    <p:bg>
+      <p:bgPr>
+        <a:solidFill>
+          <a:srgbClr val="D3D3D3"/>
+        </a:solidFill>
+        <a:effectLst/>
+      </p:bgPr>
+    </p:bg>
+    <p:spTree>
+      <p:nvGrpSpPr>
+        <p:cNvPr id="1" name=""/>
+        <p:cNvGrpSpPr/>
+        <p:nvPr/>
+      </p:nvGrpSpPr>
+      <p:grpSpPr>
+        <a:xfrm>
+          <a:off x="0" y="0"/>
+          <a:ext cx="0" cy="0"/>
+          <a:chOff x="0" y="0"/>
+          <a:chExt cx="0" cy="0"/>
+        </a:xfrm>
+      </p:grpSpPr>
+      <p:cxnSp>
+        <p:nvCxnSpPr>
+          <p:cNvPr id="3" name="직선 연결선 2">
+            <a:extLst>
+              <a:ext uri="{FF2B5EF4-FFF2-40B4-BE49-F238E27FC236}">
+                <a16:creationId xmlns:a16="http://schemas.microsoft.com/office/drawing/2014/main" id="{3110FE03-E4F0-B7C9-EE14-12343C49484A}"/>
+              </a:ext>
+            </a:extLst>
+          </p:cNvPr>
+          <p:cNvCxnSpPr/>
+          <p:nvPr/>
+        </p:nvCxnSpPr>
+        <p:spPr>
+          <a:xfrm>
+            <a:off x="380010" y="807524"/>
+            <a:ext cx="11299372" cy="0"/>
+          </a:xfrm>
+          <a:prstGeom prst="line">
+            <a:avLst/>
+          </a:prstGeom>
+        </p:spPr>
+        <p:style>
+          <a:lnRef idx="1">
+            <a:schemeClr val="dk1"/>
+          </a:lnRef>
+          <a:fillRef idx="0">
+            <a:schemeClr val="dk1"/>
+          </a:fillRef>
+          <a:effectRef idx="0">
+            <a:schemeClr val="dk1"/>
+          </a:effectRef>
+          <a:fontRef idx="minor">
+            <a:schemeClr val="tx1"/>
+          </a:fontRef>
+        </p:style>
+      </p:cxnSp>
+      <p:sp>
+        <p:nvSpPr>
+          <p:cNvPr id="2" name="슬라이드 번호 개체 틀 1">
+            <a:extLst>
+              <a:ext uri="{FF2B5EF4-FFF2-40B4-BE49-F238E27FC236}">
+                <a16:creationId xmlns:a16="http://schemas.microsoft.com/office/drawing/2014/main" id="{BA76ADDD-D563-3C79-7126-85C134A28267}"/>
+              </a:ext>
+            </a:extLst>
+          </p:cNvPr>
+          <p:cNvSpPr>
+            <a:spLocks noGrp="1"/>
+          </p:cNvSpPr>
+          <p:nvPr>
+            <p:ph type="sldNum" sz="quarter" idx="12"/>
+          </p:nvPr>
+        </p:nvSpPr>
+        <p:spPr/>
+        <p:txBody>
+          <a:bodyPr/>
+          <a:lstStyle/>
+          <a:p>
+            <a:fld id="{7060851F-8675-439A-AB82-70DBB6223280}" type="slidenum">
+              <a:rPr lang="ko-KR" altLang="en-US" smtClean="0"/>
+              <a:t>22</a:t>
+            </a:fld>
+            <a:endParaRPr lang="ko-KR" altLang="en-US"/>
+          </a:p>
+        </p:txBody>
+      </p:sp>
+      <p:pic>
+        <p:nvPicPr>
+          <p:cNvPr id="5" name="그림 4">
+            <a:extLst>
+              <a:ext uri="{FF2B5EF4-FFF2-40B4-BE49-F238E27FC236}">
+                <a16:creationId xmlns:a16="http://schemas.microsoft.com/office/drawing/2014/main" id="{9EFE88E0-FE09-A4E8-2C75-385179091D44}"/>
+              </a:ext>
+            </a:extLst>
+          </p:cNvPr>
+          <p:cNvPicPr>
+            <a:picLocks noChangeAspect="1"/>
+          </p:cNvPicPr>
+          <p:nvPr/>
+        </p:nvPicPr>
+        <p:blipFill>
+          <a:blip r:embed="rId3"/>
+          <a:stretch>
+            <a:fillRect/>
+          </a:stretch>
+        </p:blipFill>
+        <p:spPr>
+          <a:xfrm>
+            <a:off x="343761" y="1190718"/>
+            <a:ext cx="10701234" cy="1587991"/>
+          </a:xfrm>
+          <a:prstGeom prst="rect">
+            <a:avLst/>
+          </a:prstGeom>
+        </p:spPr>
+      </p:pic>
+      <p:pic>
+        <p:nvPicPr>
+          <p:cNvPr id="7" name="그림 6">
+            <a:extLst>
+              <a:ext uri="{FF2B5EF4-FFF2-40B4-BE49-F238E27FC236}">
+                <a16:creationId xmlns:a16="http://schemas.microsoft.com/office/drawing/2014/main" id="{2C43DB5B-CC03-2A0F-354B-FCB923595090}"/>
+              </a:ext>
+            </a:extLst>
+          </p:cNvPr>
+          <p:cNvPicPr>
+            <a:picLocks noChangeAspect="1"/>
+          </p:cNvPicPr>
+          <p:nvPr/>
+        </p:nvPicPr>
+        <p:blipFill>
+          <a:blip r:embed="rId4"/>
+          <a:stretch>
+            <a:fillRect/>
+          </a:stretch>
+        </p:blipFill>
+        <p:spPr>
+          <a:xfrm>
+            <a:off x="343760" y="3136037"/>
+            <a:ext cx="10701233" cy="1472554"/>
+          </a:xfrm>
+          <a:prstGeom prst="rect">
+            <a:avLst/>
+          </a:prstGeom>
+        </p:spPr>
+      </p:pic>
+      <p:pic>
+        <p:nvPicPr>
+          <p:cNvPr id="9" name="그림 8">
+            <a:extLst>
+              <a:ext uri="{FF2B5EF4-FFF2-40B4-BE49-F238E27FC236}">
+                <a16:creationId xmlns:a16="http://schemas.microsoft.com/office/drawing/2014/main" id="{10B7BCD9-6A3F-6757-C5FE-A9691EDC8D79}"/>
+              </a:ext>
+            </a:extLst>
+          </p:cNvPr>
+          <p:cNvPicPr>
+            <a:picLocks noChangeAspect="1"/>
+          </p:cNvPicPr>
+          <p:nvPr/>
+        </p:nvPicPr>
+        <p:blipFill>
+          <a:blip r:embed="rId5"/>
+          <a:stretch>
+            <a:fillRect/>
+          </a:stretch>
+        </p:blipFill>
+        <p:spPr>
+          <a:xfrm>
+            <a:off x="343760" y="4864982"/>
+            <a:ext cx="10745343" cy="1380968"/>
+          </a:xfrm>
+          <a:prstGeom prst="rect">
+            <a:avLst/>
+          </a:prstGeom>
+        </p:spPr>
+      </p:pic>
+    </p:spTree>
+    <p:extLst>
+      <p:ext uri="{BB962C8B-B14F-4D97-AF65-F5344CB8AC3E}">
+        <p14:creationId xmlns:p14="http://schemas.microsoft.com/office/powerpoint/2010/main" val="2717437398"/>
+      </p:ext>
+    </p:extLst>
+  </p:cSld>
+  <p:clrMapOvr>
+    <a:overrideClrMapping bg1="lt1" tx1="dk1" bg2="lt2" tx2="dk2" accent1="accent1" accent2="accent2" accent3="accent3" accent4="accent4" accent5="accent5" accent6="accent6" hlink="hlink" folHlink="folHlink"/>
+  </p:clrMapOvr>
+</p:sld>
+</file>
+
+<file path=ppt/slides/slide23.xml><?xml version="1.0" encoding="utf-8"?>
+<p:sld xmlns:a="http://schemas.openxmlformats.org/drawingml/2006/main" xmlns:r="http://schemas.openxmlformats.org/officeDocument/2006/relationships" xmlns:p="http://schemas.openxmlformats.org/presentationml/2006/main">
+  <p:cSld>
+    <p:bg>
+      <p:bgPr>
+        <a:solidFill>
+          <a:srgbClr val="D3D3D3"/>
+        </a:solidFill>
+        <a:effectLst/>
+      </p:bgPr>
+    </p:bg>
+    <p:spTree>
+      <p:nvGrpSpPr>
+        <p:cNvPr id="1" name=""/>
+        <p:cNvGrpSpPr/>
+        <p:nvPr/>
+      </p:nvGrpSpPr>
+      <p:grpSpPr>
+        <a:xfrm>
+          <a:off x="0" y="0"/>
+          <a:ext cx="0" cy="0"/>
+          <a:chOff x="0" y="0"/>
+          <a:chExt cx="0" cy="0"/>
+        </a:xfrm>
+      </p:grpSpPr>
+      <p:cxnSp>
+        <p:nvCxnSpPr>
+          <p:cNvPr id="3" name="직선 연결선 2">
+            <a:extLst>
+              <a:ext uri="{FF2B5EF4-FFF2-40B4-BE49-F238E27FC236}">
+                <a16:creationId xmlns:a16="http://schemas.microsoft.com/office/drawing/2014/main" id="{3110FE03-E4F0-B7C9-EE14-12343C49484A}"/>
+              </a:ext>
+            </a:extLst>
+          </p:cNvPr>
+          <p:cNvCxnSpPr/>
+          <p:nvPr/>
+        </p:nvCxnSpPr>
+        <p:spPr>
+          <a:xfrm>
+            <a:off x="380010" y="807524"/>
+            <a:ext cx="11299372" cy="0"/>
+          </a:xfrm>
+          <a:prstGeom prst="line">
+            <a:avLst/>
+          </a:prstGeom>
+        </p:spPr>
+        <p:style>
+          <a:lnRef idx="1">
+            <a:schemeClr val="dk1"/>
+          </a:lnRef>
+          <a:fillRef idx="0">
+            <a:schemeClr val="dk1"/>
+          </a:fillRef>
+          <a:effectRef idx="0">
+            <a:schemeClr val="dk1"/>
+          </a:effectRef>
+          <a:fontRef idx="minor">
+            <a:schemeClr val="tx1"/>
+          </a:fontRef>
+        </p:style>
+      </p:cxnSp>
+      <p:sp>
+        <p:nvSpPr>
+          <p:cNvPr id="2" name="슬라이드 번호 개체 틀 1">
+            <a:extLst>
+              <a:ext uri="{FF2B5EF4-FFF2-40B4-BE49-F238E27FC236}">
+                <a16:creationId xmlns:a16="http://schemas.microsoft.com/office/drawing/2014/main" id="{F92EA33D-0361-E925-0675-8BE0656B12C5}"/>
+              </a:ext>
+            </a:extLst>
+          </p:cNvPr>
+          <p:cNvSpPr>
+            <a:spLocks noGrp="1"/>
+          </p:cNvSpPr>
+          <p:nvPr>
+            <p:ph type="sldNum" sz="quarter" idx="12"/>
+          </p:nvPr>
+        </p:nvSpPr>
+        <p:spPr/>
+        <p:txBody>
+          <a:bodyPr/>
+          <a:lstStyle/>
+          <a:p>
+            <a:fld id="{7060851F-8675-439A-AB82-70DBB6223280}" type="slidenum">
+              <a:rPr lang="ko-KR" altLang="en-US" smtClean="0"/>
+              <a:t>23</a:t>
+            </a:fld>
+            <a:endParaRPr lang="ko-KR" altLang="en-US"/>
+          </a:p>
+        </p:txBody>
+      </p:sp>
+      <p:pic>
+        <p:nvPicPr>
+          <p:cNvPr id="5" name="그림 4">
+            <a:extLst>
+              <a:ext uri="{FF2B5EF4-FFF2-40B4-BE49-F238E27FC236}">
+                <a16:creationId xmlns:a16="http://schemas.microsoft.com/office/drawing/2014/main" id="{E73AE443-D14F-9AC4-031B-DE6E287F5F3F}"/>
+              </a:ext>
+            </a:extLst>
+          </p:cNvPr>
+          <p:cNvPicPr>
+            <a:picLocks noChangeAspect="1"/>
+          </p:cNvPicPr>
+          <p:nvPr/>
+        </p:nvPicPr>
+        <p:blipFill>
+          <a:blip r:embed="rId3"/>
+          <a:stretch>
+            <a:fillRect/>
+          </a:stretch>
+        </p:blipFill>
+        <p:spPr>
+          <a:xfrm>
+            <a:off x="512618" y="216371"/>
+            <a:ext cx="10379424" cy="1448002"/>
+          </a:xfrm>
+          <a:prstGeom prst="rect">
+            <a:avLst/>
+          </a:prstGeom>
+        </p:spPr>
+      </p:pic>
+      <p:pic>
+        <p:nvPicPr>
+          <p:cNvPr id="7" name="그림 6">
+            <a:extLst>
+              <a:ext uri="{FF2B5EF4-FFF2-40B4-BE49-F238E27FC236}">
+                <a16:creationId xmlns:a16="http://schemas.microsoft.com/office/drawing/2014/main" id="{FFFD5154-069A-AF88-FA76-6A5F04F8BBB0}"/>
+              </a:ext>
+            </a:extLst>
+          </p:cNvPr>
+          <p:cNvPicPr>
+            <a:picLocks noChangeAspect="1"/>
+          </p:cNvPicPr>
+          <p:nvPr/>
+        </p:nvPicPr>
+        <p:blipFill>
+          <a:blip r:embed="rId4"/>
+          <a:stretch>
+            <a:fillRect/>
+          </a:stretch>
+        </p:blipFill>
+        <p:spPr>
+          <a:xfrm>
+            <a:off x="536922" y="1841738"/>
+            <a:ext cx="10355120" cy="1467055"/>
+          </a:xfrm>
+          <a:prstGeom prst="rect">
+            <a:avLst/>
+          </a:prstGeom>
+        </p:spPr>
+      </p:pic>
+      <p:pic>
+        <p:nvPicPr>
+          <p:cNvPr id="9" name="그림 8">
+            <a:extLst>
+              <a:ext uri="{FF2B5EF4-FFF2-40B4-BE49-F238E27FC236}">
+                <a16:creationId xmlns:a16="http://schemas.microsoft.com/office/drawing/2014/main" id="{E531B658-3A42-2112-23A5-7F10B1F5840D}"/>
+              </a:ext>
+            </a:extLst>
+          </p:cNvPr>
+          <p:cNvPicPr>
+            <a:picLocks noChangeAspect="1"/>
+          </p:cNvPicPr>
+          <p:nvPr/>
+        </p:nvPicPr>
+        <p:blipFill>
+          <a:blip r:embed="rId5"/>
+          <a:stretch>
+            <a:fillRect/>
+          </a:stretch>
+        </p:blipFill>
+        <p:spPr>
+          <a:xfrm>
+            <a:off x="536922" y="3429000"/>
+            <a:ext cx="10336067" cy="1562318"/>
+          </a:xfrm>
+          <a:prstGeom prst="rect">
+            <a:avLst/>
+          </a:prstGeom>
+        </p:spPr>
+      </p:pic>
+      <p:pic>
+        <p:nvPicPr>
+          <p:cNvPr id="11" name="그림 10">
+            <a:extLst>
+              <a:ext uri="{FF2B5EF4-FFF2-40B4-BE49-F238E27FC236}">
+                <a16:creationId xmlns:a16="http://schemas.microsoft.com/office/drawing/2014/main" id="{E2E65CFE-0696-A2CE-08C7-ED54F5FF78CF}"/>
+              </a:ext>
+            </a:extLst>
+          </p:cNvPr>
+          <p:cNvPicPr>
+            <a:picLocks noChangeAspect="1"/>
+          </p:cNvPicPr>
+          <p:nvPr/>
+        </p:nvPicPr>
+        <p:blipFill>
+          <a:blip r:embed="rId6"/>
+          <a:stretch>
+            <a:fillRect/>
+          </a:stretch>
+        </p:blipFill>
+        <p:spPr>
+          <a:xfrm>
+            <a:off x="536922" y="5111525"/>
+            <a:ext cx="10336067" cy="1609950"/>
+          </a:xfrm>
+          <a:prstGeom prst="rect">
+            <a:avLst/>
+          </a:prstGeom>
+        </p:spPr>
+      </p:pic>
+    </p:spTree>
+    <p:extLst>
+      <p:ext uri="{BB962C8B-B14F-4D97-AF65-F5344CB8AC3E}">
+        <p14:creationId xmlns:p14="http://schemas.microsoft.com/office/powerpoint/2010/main" val="1939060533"/>
       </p:ext>
     </p:extLst>
   </p:cSld>
@@ -17641,7 +18914,308 @@
 </a:themeOverride>
 </file>
 
+<file path=ppt/theme/themeOverride16.xml><?xml version="1.0" encoding="utf-8"?>
+<a:themeOverride xmlns:a="http://schemas.openxmlformats.org/drawingml/2006/main">
+  <a:clrScheme name="Office">
+    <a:dk1>
+      <a:sysClr val="windowText" lastClr="000000"/>
+    </a:dk1>
+    <a:lt1>
+      <a:sysClr val="window" lastClr="FFFFFF"/>
+    </a:lt1>
+    <a:dk2>
+      <a:srgbClr val="44546A"/>
+    </a:dk2>
+    <a:lt2>
+      <a:srgbClr val="E7E6E6"/>
+    </a:lt2>
+    <a:accent1>
+      <a:srgbClr val="4472C4"/>
+    </a:accent1>
+    <a:accent2>
+      <a:srgbClr val="ED7D31"/>
+    </a:accent2>
+    <a:accent3>
+      <a:srgbClr val="A5A5A5"/>
+    </a:accent3>
+    <a:accent4>
+      <a:srgbClr val="FFC000"/>
+    </a:accent4>
+    <a:accent5>
+      <a:srgbClr val="5B9BD5"/>
+    </a:accent5>
+    <a:accent6>
+      <a:srgbClr val="70AD47"/>
+    </a:accent6>
+    <a:hlink>
+      <a:srgbClr val="0563C1"/>
+    </a:hlink>
+    <a:folHlink>
+      <a:srgbClr val="954F72"/>
+    </a:folHlink>
+  </a:clrScheme>
+</a:themeOverride>
+</file>
+
+<file path=ppt/theme/themeOverride17.xml><?xml version="1.0" encoding="utf-8"?>
+<a:themeOverride xmlns:a="http://schemas.openxmlformats.org/drawingml/2006/main">
+  <a:clrScheme name="Office">
+    <a:dk1>
+      <a:sysClr val="windowText" lastClr="000000"/>
+    </a:dk1>
+    <a:lt1>
+      <a:sysClr val="window" lastClr="FFFFFF"/>
+    </a:lt1>
+    <a:dk2>
+      <a:srgbClr val="44546A"/>
+    </a:dk2>
+    <a:lt2>
+      <a:srgbClr val="E7E6E6"/>
+    </a:lt2>
+    <a:accent1>
+      <a:srgbClr val="4472C4"/>
+    </a:accent1>
+    <a:accent2>
+      <a:srgbClr val="ED7D31"/>
+    </a:accent2>
+    <a:accent3>
+      <a:srgbClr val="A5A5A5"/>
+    </a:accent3>
+    <a:accent4>
+      <a:srgbClr val="FFC000"/>
+    </a:accent4>
+    <a:accent5>
+      <a:srgbClr val="5B9BD5"/>
+    </a:accent5>
+    <a:accent6>
+      <a:srgbClr val="70AD47"/>
+    </a:accent6>
+    <a:hlink>
+      <a:srgbClr val="0563C1"/>
+    </a:hlink>
+    <a:folHlink>
+      <a:srgbClr val="954F72"/>
+    </a:folHlink>
+  </a:clrScheme>
+</a:themeOverride>
+</file>
+
+<file path=ppt/theme/themeOverride18.xml><?xml version="1.0" encoding="utf-8"?>
+<a:themeOverride xmlns:a="http://schemas.openxmlformats.org/drawingml/2006/main">
+  <a:clrScheme name="Office">
+    <a:dk1>
+      <a:sysClr val="windowText" lastClr="000000"/>
+    </a:dk1>
+    <a:lt1>
+      <a:sysClr val="window" lastClr="FFFFFF"/>
+    </a:lt1>
+    <a:dk2>
+      <a:srgbClr val="44546A"/>
+    </a:dk2>
+    <a:lt2>
+      <a:srgbClr val="E7E6E6"/>
+    </a:lt2>
+    <a:accent1>
+      <a:srgbClr val="4472C4"/>
+    </a:accent1>
+    <a:accent2>
+      <a:srgbClr val="ED7D31"/>
+    </a:accent2>
+    <a:accent3>
+      <a:srgbClr val="A5A5A5"/>
+    </a:accent3>
+    <a:accent4>
+      <a:srgbClr val="FFC000"/>
+    </a:accent4>
+    <a:accent5>
+      <a:srgbClr val="5B9BD5"/>
+    </a:accent5>
+    <a:accent6>
+      <a:srgbClr val="70AD47"/>
+    </a:accent6>
+    <a:hlink>
+      <a:srgbClr val="0563C1"/>
+    </a:hlink>
+    <a:folHlink>
+      <a:srgbClr val="954F72"/>
+    </a:folHlink>
+  </a:clrScheme>
+</a:themeOverride>
+</file>
+
+<file path=ppt/theme/themeOverride19.xml><?xml version="1.0" encoding="utf-8"?>
+<a:themeOverride xmlns:a="http://schemas.openxmlformats.org/drawingml/2006/main">
+  <a:clrScheme name="Office">
+    <a:dk1>
+      <a:sysClr val="windowText" lastClr="000000"/>
+    </a:dk1>
+    <a:lt1>
+      <a:sysClr val="window" lastClr="FFFFFF"/>
+    </a:lt1>
+    <a:dk2>
+      <a:srgbClr val="44546A"/>
+    </a:dk2>
+    <a:lt2>
+      <a:srgbClr val="E7E6E6"/>
+    </a:lt2>
+    <a:accent1>
+      <a:srgbClr val="4472C4"/>
+    </a:accent1>
+    <a:accent2>
+      <a:srgbClr val="ED7D31"/>
+    </a:accent2>
+    <a:accent3>
+      <a:srgbClr val="A5A5A5"/>
+    </a:accent3>
+    <a:accent4>
+      <a:srgbClr val="FFC000"/>
+    </a:accent4>
+    <a:accent5>
+      <a:srgbClr val="5B9BD5"/>
+    </a:accent5>
+    <a:accent6>
+      <a:srgbClr val="70AD47"/>
+    </a:accent6>
+    <a:hlink>
+      <a:srgbClr val="0563C1"/>
+    </a:hlink>
+    <a:folHlink>
+      <a:srgbClr val="954F72"/>
+    </a:folHlink>
+  </a:clrScheme>
+</a:themeOverride>
+</file>
+
 <file path=ppt/theme/themeOverride2.xml><?xml version="1.0" encoding="utf-8"?>
+<a:themeOverride xmlns:a="http://schemas.openxmlformats.org/drawingml/2006/main">
+  <a:clrScheme name="Office">
+    <a:dk1>
+      <a:sysClr val="windowText" lastClr="000000"/>
+    </a:dk1>
+    <a:lt1>
+      <a:sysClr val="window" lastClr="FFFFFF"/>
+    </a:lt1>
+    <a:dk2>
+      <a:srgbClr val="44546A"/>
+    </a:dk2>
+    <a:lt2>
+      <a:srgbClr val="E7E6E6"/>
+    </a:lt2>
+    <a:accent1>
+      <a:srgbClr val="4472C4"/>
+    </a:accent1>
+    <a:accent2>
+      <a:srgbClr val="ED7D31"/>
+    </a:accent2>
+    <a:accent3>
+      <a:srgbClr val="A5A5A5"/>
+    </a:accent3>
+    <a:accent4>
+      <a:srgbClr val="FFC000"/>
+    </a:accent4>
+    <a:accent5>
+      <a:srgbClr val="5B9BD5"/>
+    </a:accent5>
+    <a:accent6>
+      <a:srgbClr val="70AD47"/>
+    </a:accent6>
+    <a:hlink>
+      <a:srgbClr val="0563C1"/>
+    </a:hlink>
+    <a:folHlink>
+      <a:srgbClr val="954F72"/>
+    </a:folHlink>
+  </a:clrScheme>
+</a:themeOverride>
+</file>
+
+<file path=ppt/theme/themeOverride20.xml><?xml version="1.0" encoding="utf-8"?>
+<a:themeOverride xmlns:a="http://schemas.openxmlformats.org/drawingml/2006/main">
+  <a:clrScheme name="Office">
+    <a:dk1>
+      <a:sysClr val="windowText" lastClr="000000"/>
+    </a:dk1>
+    <a:lt1>
+      <a:sysClr val="window" lastClr="FFFFFF"/>
+    </a:lt1>
+    <a:dk2>
+      <a:srgbClr val="44546A"/>
+    </a:dk2>
+    <a:lt2>
+      <a:srgbClr val="E7E6E6"/>
+    </a:lt2>
+    <a:accent1>
+      <a:srgbClr val="4472C4"/>
+    </a:accent1>
+    <a:accent2>
+      <a:srgbClr val="ED7D31"/>
+    </a:accent2>
+    <a:accent3>
+      <a:srgbClr val="A5A5A5"/>
+    </a:accent3>
+    <a:accent4>
+      <a:srgbClr val="FFC000"/>
+    </a:accent4>
+    <a:accent5>
+      <a:srgbClr val="5B9BD5"/>
+    </a:accent5>
+    <a:accent6>
+      <a:srgbClr val="70AD47"/>
+    </a:accent6>
+    <a:hlink>
+      <a:srgbClr val="0563C1"/>
+    </a:hlink>
+    <a:folHlink>
+      <a:srgbClr val="954F72"/>
+    </a:folHlink>
+  </a:clrScheme>
+</a:themeOverride>
+</file>
+
+<file path=ppt/theme/themeOverride21.xml><?xml version="1.0" encoding="utf-8"?>
+<a:themeOverride xmlns:a="http://schemas.openxmlformats.org/drawingml/2006/main">
+  <a:clrScheme name="Office">
+    <a:dk1>
+      <a:sysClr val="windowText" lastClr="000000"/>
+    </a:dk1>
+    <a:lt1>
+      <a:sysClr val="window" lastClr="FFFFFF"/>
+    </a:lt1>
+    <a:dk2>
+      <a:srgbClr val="44546A"/>
+    </a:dk2>
+    <a:lt2>
+      <a:srgbClr val="E7E6E6"/>
+    </a:lt2>
+    <a:accent1>
+      <a:srgbClr val="4472C4"/>
+    </a:accent1>
+    <a:accent2>
+      <a:srgbClr val="ED7D31"/>
+    </a:accent2>
+    <a:accent3>
+      <a:srgbClr val="A5A5A5"/>
+    </a:accent3>
+    <a:accent4>
+      <a:srgbClr val="FFC000"/>
+    </a:accent4>
+    <a:accent5>
+      <a:srgbClr val="5B9BD5"/>
+    </a:accent5>
+    <a:accent6>
+      <a:srgbClr val="70AD47"/>
+    </a:accent6>
+    <a:hlink>
+      <a:srgbClr val="0563C1"/>
+    </a:hlink>
+    <a:folHlink>
+      <a:srgbClr val="954F72"/>
+    </a:folHlink>
+  </a:clrScheme>
+</a:themeOverride>
+</file>
+
+<file path=ppt/theme/themeOverride22.xml><?xml version="1.0" encoding="utf-8"?>
 <a:themeOverride xmlns:a="http://schemas.openxmlformats.org/drawingml/2006/main">
   <a:clrScheme name="Office">
     <a:dk1>
